--- a/FLL.pptx
+++ b/FLL.pptx
@@ -9,9 +9,11 @@
     <p:sldId id="257" r:id="rId3"/>
     <p:sldId id="258" r:id="rId4"/>
     <p:sldId id="259" r:id="rId5"/>
-    <p:sldId id="260" r:id="rId6"/>
-    <p:sldId id="261" r:id="rId7"/>
-    <p:sldId id="262" r:id="rId8"/>
+    <p:sldId id="261" r:id="rId6"/>
+    <p:sldId id="262" r:id="rId7"/>
+    <p:sldId id="264" r:id="rId8"/>
+    <p:sldId id="265" r:id="rId9"/>
+    <p:sldId id="263" r:id="rId10"/>
   </p:sldIdLst>
   <p:sldSz cx="12192000" cy="6858000"/>
   <p:notesSz cx="6858000" cy="9144000"/>
@@ -110,6 +112,11 @@
       </a:defRPr>
     </a:lvl9pPr>
   </p:defaultTextStyle>
+  <p:extLst>
+    <p:ext uri="{EFAFB233-063F-42B5-8137-9DF3F51BA10A}">
+      <p15:sldGuideLst xmlns:p15="http://schemas.microsoft.com/office/powerpoint/2012/main"/>
+    </p:ext>
+  </p:extLst>
 </p:presentation>
 </file>
 
@@ -260,7 +267,7 @@
           <a:p>
             <a:fld id="{335F90D1-C644-47B4-B0A2-7B4089ECCF66}" type="datetimeFigureOut">
               <a:rPr lang="en-US" smtClean="0"/>
-              <a:t>12/8/2019</a:t>
+              <a:t>12/15/2019</a:t>
             </a:fld>
             <a:endParaRPr lang="en-US"/>
           </a:p>
@@ -458,7 +465,7 @@
           <a:p>
             <a:fld id="{335F90D1-C644-47B4-B0A2-7B4089ECCF66}" type="datetimeFigureOut">
               <a:rPr lang="en-US" smtClean="0"/>
-              <a:t>12/8/2019</a:t>
+              <a:t>12/15/2019</a:t>
             </a:fld>
             <a:endParaRPr lang="en-US"/>
           </a:p>
@@ -666,7 +673,7 @@
           <a:p>
             <a:fld id="{335F90D1-C644-47B4-B0A2-7B4089ECCF66}" type="datetimeFigureOut">
               <a:rPr lang="en-US" smtClean="0"/>
-              <a:t>12/8/2019</a:t>
+              <a:t>12/15/2019</a:t>
             </a:fld>
             <a:endParaRPr lang="en-US"/>
           </a:p>
@@ -864,7 +871,7 @@
           <a:p>
             <a:fld id="{335F90D1-C644-47B4-B0A2-7B4089ECCF66}" type="datetimeFigureOut">
               <a:rPr lang="en-US" smtClean="0"/>
-              <a:t>12/8/2019</a:t>
+              <a:t>12/15/2019</a:t>
             </a:fld>
             <a:endParaRPr lang="en-US"/>
           </a:p>
@@ -1139,7 +1146,7 @@
           <a:p>
             <a:fld id="{335F90D1-C644-47B4-B0A2-7B4089ECCF66}" type="datetimeFigureOut">
               <a:rPr lang="en-US" smtClean="0"/>
-              <a:t>12/8/2019</a:t>
+              <a:t>12/15/2019</a:t>
             </a:fld>
             <a:endParaRPr lang="en-US"/>
           </a:p>
@@ -1404,7 +1411,7 @@
           <a:p>
             <a:fld id="{335F90D1-C644-47B4-B0A2-7B4089ECCF66}" type="datetimeFigureOut">
               <a:rPr lang="en-US" smtClean="0"/>
-              <a:t>12/8/2019</a:t>
+              <a:t>12/15/2019</a:t>
             </a:fld>
             <a:endParaRPr lang="en-US"/>
           </a:p>
@@ -1816,7 +1823,7 @@
           <a:p>
             <a:fld id="{335F90D1-C644-47B4-B0A2-7B4089ECCF66}" type="datetimeFigureOut">
               <a:rPr lang="en-US" smtClean="0"/>
-              <a:t>12/8/2019</a:t>
+              <a:t>12/15/2019</a:t>
             </a:fld>
             <a:endParaRPr lang="en-US"/>
           </a:p>
@@ -1957,7 +1964,7 @@
           <a:p>
             <a:fld id="{335F90D1-C644-47B4-B0A2-7B4089ECCF66}" type="datetimeFigureOut">
               <a:rPr lang="en-US" smtClean="0"/>
-              <a:t>12/8/2019</a:t>
+              <a:t>12/15/2019</a:t>
             </a:fld>
             <a:endParaRPr lang="en-US"/>
           </a:p>
@@ -2070,7 +2077,7 @@
           <a:p>
             <a:fld id="{335F90D1-C644-47B4-B0A2-7B4089ECCF66}" type="datetimeFigureOut">
               <a:rPr lang="en-US" smtClean="0"/>
-              <a:t>12/8/2019</a:t>
+              <a:t>12/15/2019</a:t>
             </a:fld>
             <a:endParaRPr lang="en-US"/>
           </a:p>
@@ -2381,7 +2388,7 @@
           <a:p>
             <a:fld id="{335F90D1-C644-47B4-B0A2-7B4089ECCF66}" type="datetimeFigureOut">
               <a:rPr lang="en-US" smtClean="0"/>
-              <a:t>12/8/2019</a:t>
+              <a:t>12/15/2019</a:t>
             </a:fld>
             <a:endParaRPr lang="en-US"/>
           </a:p>
@@ -2669,7 +2676,7 @@
           <a:p>
             <a:fld id="{335F90D1-C644-47B4-B0A2-7B4089ECCF66}" type="datetimeFigureOut">
               <a:rPr lang="en-US" smtClean="0"/>
-              <a:t>12/8/2019</a:t>
+              <a:t>12/15/2019</a:t>
             </a:fld>
             <a:endParaRPr lang="en-US"/>
           </a:p>
@@ -2910,7 +2917,7 @@
           <a:p>
             <a:fld id="{335F90D1-C644-47B4-B0A2-7B4089ECCF66}" type="datetimeFigureOut">
               <a:rPr lang="en-US" smtClean="0"/>
-              <a:t>12/8/2019</a:t>
+              <a:t>12/15/2019</a:t>
             </a:fld>
             <a:endParaRPr lang="en-US"/>
           </a:p>
@@ -3353,7 +3360,10 @@
           <a:bodyPr/>
           <a:lstStyle/>
           <a:p>
-            <a:endParaRPr lang="en-US" dirty="0"/>
+            <a:r>
+              <a:rPr lang="en-US" dirty="0"/>
+              <a:t>First Lego League</a:t>
+            </a:r>
           </a:p>
         </p:txBody>
       </p:sp>
@@ -3383,7 +3393,10 @@
           <a:bodyPr/>
           <a:lstStyle/>
           <a:p>
-            <a:endParaRPr lang="en-US" dirty="0"/>
+            <a:r>
+              <a:rPr lang="en-US" dirty="0"/>
+              <a:t>Octopus Minus One</a:t>
+            </a:r>
           </a:p>
         </p:txBody>
       </p:sp>
@@ -3840,99 +3853,6 @@
           <p:cNvPr id="2" name="Title 1">
             <a:extLst>
               <a:ext uri="{FF2B5EF4-FFF2-40B4-BE49-F238E27FC236}">
-                <a16:creationId xmlns:a16="http://schemas.microsoft.com/office/drawing/2014/main" id="{7CB2221C-6C76-467B-8FD9-5CB809DFDE80}"/>
-              </a:ext>
-            </a:extLst>
-          </p:cNvPr>
-          <p:cNvSpPr>
-            <a:spLocks noGrp="1"/>
-          </p:cNvSpPr>
-          <p:nvPr>
-            <p:ph type="title"/>
-          </p:nvPr>
-        </p:nvSpPr>
-        <p:spPr/>
-        <p:txBody>
-          <a:bodyPr/>
-          <a:lstStyle/>
-          <a:p>
-            <a:r>
-              <a:rPr lang="en-US" dirty="0"/>
-              <a:t>Pusher</a:t>
-            </a:r>
-          </a:p>
-        </p:txBody>
-      </p:sp>
-      <p:sp>
-        <p:nvSpPr>
-          <p:cNvPr id="3" name="Content Placeholder 2">
-            <a:extLst>
-              <a:ext uri="{FF2B5EF4-FFF2-40B4-BE49-F238E27FC236}">
-                <a16:creationId xmlns:a16="http://schemas.microsoft.com/office/drawing/2014/main" id="{D3FDD037-F885-46A7-898F-67A55562B5F8}"/>
-              </a:ext>
-            </a:extLst>
-          </p:cNvPr>
-          <p:cNvSpPr>
-            <a:spLocks noGrp="1"/>
-          </p:cNvSpPr>
-          <p:nvPr>
-            <p:ph idx="1"/>
-          </p:nvPr>
-        </p:nvSpPr>
-        <p:spPr/>
-        <p:txBody>
-          <a:bodyPr/>
-          <a:lstStyle/>
-          <a:p>
-            <a:r>
-              <a:rPr lang="en-US" dirty="0"/>
-              <a:t>What dose it do?</a:t>
-            </a:r>
-          </a:p>
-          <a:p>
-            <a:pPr lvl="1"/>
-            <a:r>
-              <a:rPr lang="en-US" dirty="0"/>
-              <a:t>The pusher pushes the houses into a circle and gets you </a:t>
-            </a:r>
-          </a:p>
-        </p:txBody>
-      </p:sp>
-    </p:spTree>
-    <p:extLst>
-      <p:ext uri="{BB962C8B-B14F-4D97-AF65-F5344CB8AC3E}">
-        <p14:creationId xmlns:p14="http://schemas.microsoft.com/office/powerpoint/2010/main" val="1779441877"/>
-      </p:ext>
-    </p:extLst>
-  </p:cSld>
-  <p:clrMapOvr>
-    <a:masterClrMapping/>
-  </p:clrMapOvr>
-</p:sld>
-</file>
-
-<file path=ppt/slides/slide6.xml><?xml version="1.0" encoding="utf-8"?>
-<p:sld xmlns:a="http://schemas.openxmlformats.org/drawingml/2006/main" xmlns:r="http://schemas.openxmlformats.org/officeDocument/2006/relationships" xmlns:p="http://schemas.openxmlformats.org/presentationml/2006/main">
-  <p:cSld>
-    <p:spTree>
-      <p:nvGrpSpPr>
-        <p:cNvPr id="1" name=""/>
-        <p:cNvGrpSpPr/>
-        <p:nvPr/>
-      </p:nvGrpSpPr>
-      <p:grpSpPr>
-        <a:xfrm>
-          <a:off x="0" y="0"/>
-          <a:ext cx="0" cy="0"/>
-          <a:chOff x="0" y="0"/>
-          <a:chExt cx="0" cy="0"/>
-        </a:xfrm>
-      </p:grpSpPr>
-      <p:sp>
-        <p:nvSpPr>
-          <p:cNvPr id="2" name="Title 1">
-            <a:extLst>
-              <a:ext uri="{FF2B5EF4-FFF2-40B4-BE49-F238E27FC236}">
                 <a16:creationId xmlns:a16="http://schemas.microsoft.com/office/drawing/2014/main" id="{85A2A2E5-A642-42D4-8BBC-99A44102451A}"/>
               </a:ext>
             </a:extLst>
@@ -4324,7 +4244,7 @@
 </p:sld>
 </file>
 
-<file path=ppt/slides/slide7.xml><?xml version="1.0" encoding="utf-8"?>
+<file path=ppt/slides/slide6.xml><?xml version="1.0" encoding="utf-8"?>
 <p:sld xmlns:a="http://schemas.openxmlformats.org/drawingml/2006/main" xmlns:r="http://schemas.openxmlformats.org/officeDocument/2006/relationships" xmlns:p="http://schemas.openxmlformats.org/presentationml/2006/main">
   <p:cSld>
     <p:spTree>
@@ -4385,14 +4305,14 @@
             <p:ph idx="1"/>
             <p:extLst>
               <p:ext uri="{D42A27DB-BD31-4B8C-83A1-F6EECF244321}">
-                <p14:modId xmlns:p14="http://schemas.microsoft.com/office/powerpoint/2010/main" val="2888277549"/>
+                <p14:modId xmlns:p14="http://schemas.microsoft.com/office/powerpoint/2010/main" val="285656896"/>
               </p:ext>
             </p:extLst>
           </p:nvPr>
         </p:nvGraphicFramePr>
         <p:xfrm>
           <a:off x="304800" y="360680"/>
-          <a:ext cx="10515599" cy="5425440"/>
+          <a:ext cx="10515599" cy="4693920"/>
         </p:xfrm>
         <a:graphic>
           <a:graphicData uri="http://schemas.openxmlformats.org/drawingml/2006/table">
@@ -4496,7 +4416,7 @@
                     <a:lstStyle/>
                     <a:p>
                       <a:r>
-                        <a:rPr lang="en-US" dirty="0"/>
+                        <a:rPr lang="en-US" sz="1400" i="1" dirty="0"/>
                         <a:t>What is the program called in your robot?</a:t>
                       </a:r>
                     </a:p>
@@ -4509,7 +4429,7 @@
                     <a:lstStyle/>
                     <a:p>
                       <a:r>
-                        <a:rPr lang="en-US" dirty="0"/>
+                        <a:rPr lang="en-US" sz="1400" i="1" dirty="0"/>
                         <a:t>List the missions your robot will accomplish in this program</a:t>
                       </a:r>
                     </a:p>
@@ -4522,7 +4442,7 @@
                     <a:lstStyle/>
                     <a:p>
                       <a:r>
-                        <a:rPr lang="en-US" dirty="0"/>
+                        <a:rPr lang="en-US" sz="1400" i="1" dirty="0"/>
                         <a:t>List the types of actions performed in the program. List any programming commands like loops and functions</a:t>
                       </a:r>
                     </a:p>
@@ -4535,7 +4455,7 @@
                     <a:lstStyle/>
                     <a:p>
                       <a:r>
-                        <a:rPr lang="en-US" dirty="0"/>
+                        <a:rPr lang="en-US" sz="1400" i="1" dirty="0"/>
                         <a:t>How often do you achieve the missions?</a:t>
                       </a:r>
                     </a:p>
@@ -4582,7 +4502,7 @@
                     <a:p>
                       <a:r>
                         <a:rPr lang="en-US" dirty="0"/>
-                        <a:t>  It say “</a:t>
+                        <a:t>It says “</a:t>
                       </a:r>
                       <a:r>
                         <a:rPr lang="en-US" dirty="0" err="1"/>
@@ -4598,15 +4518,7 @@
                       </a:r>
                       <a:r>
                         <a:rPr lang="en-US" dirty="0"/>
-                        <a:t>” and then put </a:t>
-                      </a:r>
-                      <a:r>
-                        <a:rPr lang="en-US" dirty="0" err="1"/>
-                        <a:t>uo</a:t>
-                      </a:r>
-                      <a:r>
-                        <a:rPr lang="en-US" dirty="0"/>
-                        <a:t> the arm then It goes forward then turns left then goes more forward up onto the bridge and then stops on the left flag</a:t>
+                        <a:t>” and then put up the arm then it goes forward then turns left then goes more forward up onto the bridge and then stops on the left flag</a:t>
                       </a:r>
                     </a:p>
                   </a:txBody>
@@ -4647,7 +4559,7 @@
                     <a:bodyPr/>
                     <a:lstStyle/>
                     <a:p>
-                      <a:endParaRPr lang="en-US"/>
+                      <a:endParaRPr lang="en-US" dirty="0"/>
                     </a:p>
                   </a:txBody>
                   <a:tcPr/>
@@ -4874,6 +4786,990 @@
     <p:extLst>
       <p:ext uri="{BB962C8B-B14F-4D97-AF65-F5344CB8AC3E}">
         <p14:creationId xmlns:p14="http://schemas.microsoft.com/office/powerpoint/2010/main" val="143448540"/>
+      </p:ext>
+    </p:extLst>
+  </p:cSld>
+  <p:clrMapOvr>
+    <a:masterClrMapping/>
+  </p:clrMapOvr>
+</p:sld>
+</file>
+
+<file path=ppt/slides/slide7.xml><?xml version="1.0" encoding="utf-8"?>
+<p:sld xmlns:a="http://schemas.openxmlformats.org/drawingml/2006/main" xmlns:r="http://schemas.openxmlformats.org/officeDocument/2006/relationships" xmlns:p="http://schemas.openxmlformats.org/presentationml/2006/main">
+  <p:cSld>
+    <p:spTree>
+      <p:nvGrpSpPr>
+        <p:cNvPr id="1" name=""/>
+        <p:cNvGrpSpPr/>
+        <p:nvPr/>
+      </p:nvGrpSpPr>
+      <p:grpSpPr>
+        <a:xfrm>
+          <a:off x="0" y="0"/>
+          <a:ext cx="0" cy="0"/>
+          <a:chOff x="0" y="0"/>
+          <a:chExt cx="0" cy="0"/>
+        </a:xfrm>
+      </p:grpSpPr>
+      <p:sp>
+        <p:nvSpPr>
+          <p:cNvPr id="2" name="Title 1">
+            <a:extLst>
+              <a:ext uri="{FF2B5EF4-FFF2-40B4-BE49-F238E27FC236}">
+                <a16:creationId xmlns:a16="http://schemas.microsoft.com/office/drawing/2014/main" id="{85A2A2E5-A642-42D4-8BBC-99A44102451A}"/>
+              </a:ext>
+            </a:extLst>
+          </p:cNvPr>
+          <p:cNvSpPr>
+            <a:spLocks noGrp="1"/>
+          </p:cNvSpPr>
+          <p:nvPr>
+            <p:ph type="title"/>
+          </p:nvPr>
+        </p:nvSpPr>
+        <p:spPr/>
+        <p:txBody>
+          <a:bodyPr/>
+          <a:lstStyle/>
+          <a:p>
+            <a:r>
+              <a:rPr lang="en-US" dirty="0"/>
+              <a:t>Robot Design Summary</a:t>
+            </a:r>
+          </a:p>
+        </p:txBody>
+      </p:sp>
+      <p:graphicFrame>
+        <p:nvGraphicFramePr>
+          <p:cNvPr id="4" name="Table 4">
+            <a:extLst>
+              <a:ext uri="{FF2B5EF4-FFF2-40B4-BE49-F238E27FC236}">
+                <a16:creationId xmlns:a16="http://schemas.microsoft.com/office/drawing/2014/main" id="{BA07C363-3094-47E5-89DF-A817CDC72D1E}"/>
+              </a:ext>
+            </a:extLst>
+          </p:cNvPr>
+          <p:cNvGraphicFramePr>
+            <a:graphicFrameLocks noGrp="1"/>
+          </p:cNvGraphicFramePr>
+          <p:nvPr>
+            <p:ph idx="1"/>
+            <p:extLst>
+              <p:ext uri="{D42A27DB-BD31-4B8C-83A1-F6EECF244321}">
+                <p14:modId xmlns:p14="http://schemas.microsoft.com/office/powerpoint/2010/main" val="1314125943"/>
+              </p:ext>
+            </p:extLst>
+          </p:nvPr>
+        </p:nvGraphicFramePr>
+        <p:xfrm>
+          <a:off x="228600" y="52705"/>
+          <a:ext cx="10515600" cy="6802120"/>
+        </p:xfrm>
+        <a:graphic>
+          <a:graphicData uri="http://schemas.openxmlformats.org/drawingml/2006/table">
+            <a:tbl>
+              <a:tblPr firstRow="1" bandRow="1">
+                <a:tableStyleId>{5C22544A-7EE6-4342-B048-85BDC9FD1C3A}</a:tableStyleId>
+              </a:tblPr>
+              <a:tblGrid>
+                <a:gridCol w="4292600">
+                  <a:extLst>
+                    <a:ext uri="{9D8B030D-6E8A-4147-A177-3AD203B41FA5}">
+                      <a16:colId xmlns:a16="http://schemas.microsoft.com/office/drawing/2014/main" val="1625645682"/>
+                    </a:ext>
+                  </a:extLst>
+                </a:gridCol>
+                <a:gridCol w="6223000">
+                  <a:extLst>
+                    <a:ext uri="{9D8B030D-6E8A-4147-A177-3AD203B41FA5}">
+                      <a16:colId xmlns:a16="http://schemas.microsoft.com/office/drawing/2014/main" val="2776076599"/>
+                    </a:ext>
+                  </a:extLst>
+                </a:gridCol>
+              </a:tblGrid>
+              <a:tr h="370840">
+                <a:tc>
+                  <a:txBody>
+                    <a:bodyPr/>
+                    <a:lstStyle/>
+                    <a:p>
+                      <a:r>
+                        <a:rPr lang="en-US" dirty="0"/>
+                        <a:t>Innovation Project Summary</a:t>
+                      </a:r>
+                    </a:p>
+                  </a:txBody>
+                  <a:tcPr/>
+                </a:tc>
+                <a:tc>
+                  <a:txBody>
+                    <a:bodyPr/>
+                    <a:lstStyle/>
+                    <a:p>
+                      <a:endParaRPr lang="en-US" dirty="0"/>
+                    </a:p>
+                  </a:txBody>
+                  <a:tcPr/>
+                </a:tc>
+                <a:extLst>
+                  <a:ext uri="{0D108BD9-81ED-4DB2-BD59-A6C34878D82A}">
+                    <a16:rowId xmlns:a16="http://schemas.microsoft.com/office/drawing/2014/main" val="3169571717"/>
+                  </a:ext>
+                </a:extLst>
+              </a:tr>
+              <a:tr h="370840">
+                <a:tc>
+                  <a:txBody>
+                    <a:bodyPr/>
+                    <a:lstStyle/>
+                    <a:p>
+                      <a:r>
+                        <a:rPr lang="en-US" sz="1600" b="1" dirty="0"/>
+                        <a:t>Problem</a:t>
+                      </a:r>
+                    </a:p>
+                    <a:p>
+                      <a:r>
+                        <a:rPr lang="en-US" sz="1600" dirty="0"/>
+                        <a:t>What is the challenge that needs to be solved?</a:t>
+                      </a:r>
+                    </a:p>
+                  </a:txBody>
+                  <a:tcPr/>
+                </a:tc>
+                <a:tc>
+                  <a:txBody>
+                    <a:bodyPr/>
+                    <a:lstStyle/>
+                    <a:p>
+                      <a:endParaRPr lang="en-US" dirty="0"/>
+                    </a:p>
+                  </a:txBody>
+                  <a:tcPr/>
+                </a:tc>
+                <a:extLst>
+                  <a:ext uri="{0D108BD9-81ED-4DB2-BD59-A6C34878D82A}">
+                    <a16:rowId xmlns:a16="http://schemas.microsoft.com/office/drawing/2014/main" val="4278822256"/>
+                  </a:ext>
+                </a:extLst>
+              </a:tr>
+              <a:tr h="370840">
+                <a:tc>
+                  <a:txBody>
+                    <a:bodyPr/>
+                    <a:lstStyle/>
+                    <a:p>
+                      <a:r>
+                        <a:rPr lang="en-US" sz="1600" b="1" dirty="0"/>
+                        <a:t>Potential Solutions</a:t>
+                      </a:r>
+                    </a:p>
+                    <a:p>
+                      <a:r>
+                        <a:rPr lang="en-US" sz="1600" b="0" dirty="0"/>
+                        <a:t>Can you make a solution better?</a:t>
+                      </a:r>
+                    </a:p>
+                    <a:p>
+                      <a:r>
+                        <a:rPr lang="en-US" sz="1600" b="0" dirty="0"/>
+                        <a:t>Do you have an innovative approach?</a:t>
+                      </a:r>
+                    </a:p>
+                  </a:txBody>
+                  <a:tcPr/>
+                </a:tc>
+                <a:tc>
+                  <a:txBody>
+                    <a:bodyPr/>
+                    <a:lstStyle/>
+                    <a:p>
+                      <a:endParaRPr lang="en-US"/>
+                    </a:p>
+                  </a:txBody>
+                  <a:tcPr/>
+                </a:tc>
+                <a:extLst>
+                  <a:ext uri="{0D108BD9-81ED-4DB2-BD59-A6C34878D82A}">
+                    <a16:rowId xmlns:a16="http://schemas.microsoft.com/office/drawing/2014/main" val="3971085671"/>
+                  </a:ext>
+                </a:extLst>
+              </a:tr>
+              <a:tr h="370840">
+                <a:tc>
+                  <a:txBody>
+                    <a:bodyPr/>
+                    <a:lstStyle/>
+                    <a:p>
+                      <a:r>
+                        <a:rPr lang="en-US" sz="1600" b="1" dirty="0"/>
+                        <a:t>Constraints</a:t>
+                      </a:r>
+                    </a:p>
+                    <a:p>
+                      <a:r>
+                        <a:rPr lang="en-US" sz="1600" dirty="0"/>
+                        <a:t>What limitations are there on your solution?</a:t>
+                      </a:r>
+                    </a:p>
+                  </a:txBody>
+                  <a:tcPr/>
+                </a:tc>
+                <a:tc>
+                  <a:txBody>
+                    <a:bodyPr/>
+                    <a:lstStyle/>
+                    <a:p>
+                      <a:endParaRPr lang="en-US"/>
+                    </a:p>
+                  </a:txBody>
+                  <a:tcPr/>
+                </a:tc>
+                <a:extLst>
+                  <a:ext uri="{0D108BD9-81ED-4DB2-BD59-A6C34878D82A}">
+                    <a16:rowId xmlns:a16="http://schemas.microsoft.com/office/drawing/2014/main" val="1946875998"/>
+                  </a:ext>
+                </a:extLst>
+              </a:tr>
+              <a:tr h="370840">
+                <a:tc>
+                  <a:txBody>
+                    <a:bodyPr/>
+                    <a:lstStyle/>
+                    <a:p>
+                      <a:r>
+                        <a:rPr lang="en-US" sz="1600" b="1" dirty="0"/>
+                        <a:t>Research Findings</a:t>
+                      </a:r>
+                    </a:p>
+                    <a:p>
+                      <a:r>
+                        <a:rPr lang="en-US" sz="1600" dirty="0"/>
+                        <a:t>What information did you find on your problem?</a:t>
+                      </a:r>
+                    </a:p>
+                  </a:txBody>
+                  <a:tcPr/>
+                </a:tc>
+                <a:tc>
+                  <a:txBody>
+                    <a:bodyPr/>
+                    <a:lstStyle/>
+                    <a:p>
+                      <a:endParaRPr lang="en-US"/>
+                    </a:p>
+                  </a:txBody>
+                  <a:tcPr/>
+                </a:tc>
+                <a:extLst>
+                  <a:ext uri="{0D108BD9-81ED-4DB2-BD59-A6C34878D82A}">
+                    <a16:rowId xmlns:a16="http://schemas.microsoft.com/office/drawing/2014/main" val="3282402309"/>
+                  </a:ext>
+                </a:extLst>
+              </a:tr>
+              <a:tr h="350520">
+                <a:tc>
+                  <a:txBody>
+                    <a:bodyPr/>
+                    <a:lstStyle/>
+                    <a:p>
+                      <a:r>
+                        <a:rPr lang="en-US" sz="1600" b="1" dirty="0"/>
+                        <a:t>Sources</a:t>
+                      </a:r>
+                    </a:p>
+                    <a:p>
+                      <a:r>
+                        <a:rPr lang="en-US" sz="1600" dirty="0"/>
+                        <a:t>These could include print and digital resources.</a:t>
+                      </a:r>
+                    </a:p>
+                  </a:txBody>
+                  <a:tcPr/>
+                </a:tc>
+                <a:tc>
+                  <a:txBody>
+                    <a:bodyPr/>
+                    <a:lstStyle/>
+                    <a:p>
+                      <a:endParaRPr lang="en-US" dirty="0"/>
+                    </a:p>
+                  </a:txBody>
+                  <a:tcPr/>
+                </a:tc>
+                <a:extLst>
+                  <a:ext uri="{0D108BD9-81ED-4DB2-BD59-A6C34878D82A}">
+                    <a16:rowId xmlns:a16="http://schemas.microsoft.com/office/drawing/2014/main" val="2841753491"/>
+                  </a:ext>
+                </a:extLst>
+              </a:tr>
+              <a:tr h="370840">
+                <a:tc>
+                  <a:txBody>
+                    <a:bodyPr/>
+                    <a:lstStyle/>
+                    <a:p>
+                      <a:r>
+                        <a:rPr lang="en-US" sz="1600" b="1" dirty="0"/>
+                        <a:t>Solution</a:t>
+                      </a:r>
+                    </a:p>
+                    <a:p>
+                      <a:r>
+                        <a:rPr lang="en-US" sz="1600" dirty="0"/>
+                        <a:t>What did you choose as the solution you will present?</a:t>
+                      </a:r>
+                    </a:p>
+                  </a:txBody>
+                  <a:tcPr/>
+                </a:tc>
+                <a:tc>
+                  <a:txBody>
+                    <a:bodyPr/>
+                    <a:lstStyle/>
+                    <a:p>
+                      <a:endParaRPr lang="en-US" dirty="0"/>
+                    </a:p>
+                  </a:txBody>
+                  <a:tcPr/>
+                </a:tc>
+                <a:extLst>
+                  <a:ext uri="{0D108BD9-81ED-4DB2-BD59-A6C34878D82A}">
+                    <a16:rowId xmlns:a16="http://schemas.microsoft.com/office/drawing/2014/main" val="3777820845"/>
+                  </a:ext>
+                </a:extLst>
+              </a:tr>
+              <a:tr h="370840">
+                <a:tc>
+                  <a:txBody>
+                    <a:bodyPr/>
+                    <a:lstStyle/>
+                    <a:p>
+                      <a:r>
+                        <a:rPr lang="en-US" sz="1600" b="1" dirty="0"/>
+                        <a:t>Design Process</a:t>
+                      </a:r>
+                    </a:p>
+                    <a:p>
+                      <a:r>
+                        <a:rPr lang="en-US" sz="1600" dirty="0"/>
+                        <a:t>What processes did you use to design your project solution?</a:t>
+                      </a:r>
+                    </a:p>
+                  </a:txBody>
+                  <a:tcPr/>
+                </a:tc>
+                <a:tc>
+                  <a:txBody>
+                    <a:bodyPr/>
+                    <a:lstStyle/>
+                    <a:p>
+                      <a:endParaRPr lang="en-US" dirty="0"/>
+                    </a:p>
+                  </a:txBody>
+                  <a:tcPr/>
+                </a:tc>
+                <a:extLst>
+                  <a:ext uri="{0D108BD9-81ED-4DB2-BD59-A6C34878D82A}">
+                    <a16:rowId xmlns:a16="http://schemas.microsoft.com/office/drawing/2014/main" val="3011293120"/>
+                  </a:ext>
+                </a:extLst>
+              </a:tr>
+              <a:tr h="370840">
+                <a:tc>
+                  <a:txBody>
+                    <a:bodyPr/>
+                    <a:lstStyle/>
+                    <a:p>
+                      <a:r>
+                        <a:rPr lang="en-US" sz="1600" b="1" dirty="0"/>
+                        <a:t>Design Presentation</a:t>
+                      </a:r>
+                    </a:p>
+                    <a:p>
+                      <a:r>
+                        <a:rPr lang="en-US" sz="1600" dirty="0"/>
+                        <a:t>How will you present your problem and solution for the project?</a:t>
+                      </a:r>
+                    </a:p>
+                  </a:txBody>
+                  <a:tcPr/>
+                </a:tc>
+                <a:tc>
+                  <a:txBody>
+                    <a:bodyPr/>
+                    <a:lstStyle/>
+                    <a:p>
+                      <a:endParaRPr lang="en-US" dirty="0"/>
+                    </a:p>
+                  </a:txBody>
+                  <a:tcPr/>
+                </a:tc>
+                <a:extLst>
+                  <a:ext uri="{0D108BD9-81ED-4DB2-BD59-A6C34878D82A}">
+                    <a16:rowId xmlns:a16="http://schemas.microsoft.com/office/drawing/2014/main" val="2472460539"/>
+                  </a:ext>
+                </a:extLst>
+              </a:tr>
+              <a:tr h="370840">
+                <a:tc>
+                  <a:txBody>
+                    <a:bodyPr/>
+                    <a:lstStyle/>
+                    <a:p>
+                      <a:r>
+                        <a:rPr lang="en-US" sz="1600" dirty="0"/>
+                        <a:t>C</a:t>
+                      </a:r>
+                      <a:r>
+                        <a:rPr lang="en-US" sz="1600" b="1" dirty="0"/>
+                        <a:t>ore Values</a:t>
+                      </a:r>
+                    </a:p>
+                    <a:p>
+                      <a:r>
+                        <a:rPr lang="en-US" sz="1600" dirty="0"/>
+                        <a:t>How were the core values used throughout the creation of the project solution?</a:t>
+                      </a:r>
+                    </a:p>
+                  </a:txBody>
+                  <a:tcPr/>
+                </a:tc>
+                <a:tc>
+                  <a:txBody>
+                    <a:bodyPr/>
+                    <a:lstStyle/>
+                    <a:p>
+                      <a:endParaRPr lang="en-US" dirty="0"/>
+                    </a:p>
+                  </a:txBody>
+                  <a:tcPr/>
+                </a:tc>
+                <a:extLst>
+                  <a:ext uri="{0D108BD9-81ED-4DB2-BD59-A6C34878D82A}">
+                    <a16:rowId xmlns:a16="http://schemas.microsoft.com/office/drawing/2014/main" val="1708700393"/>
+                  </a:ext>
+                </a:extLst>
+              </a:tr>
+            </a:tbl>
+          </a:graphicData>
+        </a:graphic>
+      </p:graphicFrame>
+    </p:spTree>
+    <p:extLst>
+      <p:ext uri="{BB962C8B-B14F-4D97-AF65-F5344CB8AC3E}">
+        <p14:creationId xmlns:p14="http://schemas.microsoft.com/office/powerpoint/2010/main" val="4011710060"/>
+      </p:ext>
+    </p:extLst>
+  </p:cSld>
+  <p:clrMapOvr>
+    <a:masterClrMapping/>
+  </p:clrMapOvr>
+</p:sld>
+</file>
+
+<file path=ppt/slides/slide8.xml><?xml version="1.0" encoding="utf-8"?>
+<p:sld xmlns:a="http://schemas.openxmlformats.org/drawingml/2006/main" xmlns:r="http://schemas.openxmlformats.org/officeDocument/2006/relationships" xmlns:p="http://schemas.openxmlformats.org/presentationml/2006/main">
+  <p:cSld>
+    <p:spTree>
+      <p:nvGrpSpPr>
+        <p:cNvPr id="1" name=""/>
+        <p:cNvGrpSpPr/>
+        <p:nvPr/>
+      </p:nvGrpSpPr>
+      <p:grpSpPr>
+        <a:xfrm>
+          <a:off x="0" y="0"/>
+          <a:ext cx="0" cy="0"/>
+          <a:chOff x="0" y="0"/>
+          <a:chExt cx="0" cy="0"/>
+        </a:xfrm>
+      </p:grpSpPr>
+      <p:sp>
+        <p:nvSpPr>
+          <p:cNvPr id="2" name="Title 1">
+            <a:extLst>
+              <a:ext uri="{FF2B5EF4-FFF2-40B4-BE49-F238E27FC236}">
+                <a16:creationId xmlns:a16="http://schemas.microsoft.com/office/drawing/2014/main" id="{85A2A2E5-A642-42D4-8BBC-99A44102451A}"/>
+              </a:ext>
+            </a:extLst>
+          </p:cNvPr>
+          <p:cNvSpPr>
+            <a:spLocks noGrp="1"/>
+          </p:cNvSpPr>
+          <p:nvPr>
+            <p:ph type="title"/>
+          </p:nvPr>
+        </p:nvSpPr>
+        <p:spPr/>
+        <p:txBody>
+          <a:bodyPr/>
+          <a:lstStyle/>
+          <a:p>
+            <a:r>
+              <a:rPr lang="en-US" dirty="0"/>
+              <a:t>Robot Design Summary</a:t>
+            </a:r>
+          </a:p>
+        </p:txBody>
+      </p:sp>
+      <p:graphicFrame>
+        <p:nvGraphicFramePr>
+          <p:cNvPr id="4" name="Table 4">
+            <a:extLst>
+              <a:ext uri="{FF2B5EF4-FFF2-40B4-BE49-F238E27FC236}">
+                <a16:creationId xmlns:a16="http://schemas.microsoft.com/office/drawing/2014/main" id="{BA07C363-3094-47E5-89DF-A817CDC72D1E}"/>
+              </a:ext>
+            </a:extLst>
+          </p:cNvPr>
+          <p:cNvGraphicFramePr>
+            <a:graphicFrameLocks noGrp="1"/>
+          </p:cNvGraphicFramePr>
+          <p:nvPr>
+            <p:ph idx="1"/>
+            <p:extLst>
+              <p:ext uri="{D42A27DB-BD31-4B8C-83A1-F6EECF244321}">
+                <p14:modId xmlns:p14="http://schemas.microsoft.com/office/powerpoint/2010/main" val="2036564658"/>
+              </p:ext>
+            </p:extLst>
+          </p:nvPr>
+        </p:nvGraphicFramePr>
+        <p:xfrm>
+          <a:off x="228600" y="52705"/>
+          <a:ext cx="10515600" cy="6466840"/>
+        </p:xfrm>
+        <a:graphic>
+          <a:graphicData uri="http://schemas.openxmlformats.org/drawingml/2006/table">
+            <a:tbl>
+              <a:tblPr firstRow="1" bandRow="1">
+                <a:tableStyleId>{5C22544A-7EE6-4342-B048-85BDC9FD1C3A}</a:tableStyleId>
+              </a:tblPr>
+              <a:tblGrid>
+                <a:gridCol w="4292600">
+                  <a:extLst>
+                    <a:ext uri="{9D8B030D-6E8A-4147-A177-3AD203B41FA5}">
+                      <a16:colId xmlns:a16="http://schemas.microsoft.com/office/drawing/2014/main" val="1625645682"/>
+                    </a:ext>
+                  </a:extLst>
+                </a:gridCol>
+                <a:gridCol w="6223000">
+                  <a:extLst>
+                    <a:ext uri="{9D8B030D-6E8A-4147-A177-3AD203B41FA5}">
+                      <a16:colId xmlns:a16="http://schemas.microsoft.com/office/drawing/2014/main" val="2776076599"/>
+                    </a:ext>
+                  </a:extLst>
+                </a:gridCol>
+              </a:tblGrid>
+              <a:tr h="370840">
+                <a:tc>
+                  <a:txBody>
+                    <a:bodyPr/>
+                    <a:lstStyle/>
+                    <a:p>
+                      <a:r>
+                        <a:rPr lang="en-US" dirty="0"/>
+                        <a:t>Core Values Summary</a:t>
+                      </a:r>
+                    </a:p>
+                  </a:txBody>
+                  <a:tcPr/>
+                </a:tc>
+                <a:tc>
+                  <a:txBody>
+                    <a:bodyPr/>
+                    <a:lstStyle/>
+                    <a:p>
+                      <a:r>
+                        <a:rPr lang="en-US" dirty="0"/>
+                        <a:t>How did we use core values in our project/robot? Examples</a:t>
+                      </a:r>
+                    </a:p>
+                  </a:txBody>
+                  <a:tcPr/>
+                </a:tc>
+                <a:extLst>
+                  <a:ext uri="{0D108BD9-81ED-4DB2-BD59-A6C34878D82A}">
+                    <a16:rowId xmlns:a16="http://schemas.microsoft.com/office/drawing/2014/main" val="3169571717"/>
+                  </a:ext>
+                </a:extLst>
+              </a:tr>
+              <a:tr h="422275">
+                <a:tc>
+                  <a:txBody>
+                    <a:bodyPr/>
+                    <a:lstStyle/>
+                    <a:p>
+                      <a:r>
+                        <a:rPr lang="en-US" sz="1600" b="1" dirty="0"/>
+                        <a:t>Discovery</a:t>
+                      </a:r>
+                    </a:p>
+                    <a:p>
+                      <a:r>
+                        <a:rPr lang="en-US" sz="1600" dirty="0"/>
+                        <a:t>We explore new skills and ideas</a:t>
+                      </a:r>
+                    </a:p>
+                  </a:txBody>
+                  <a:tcPr/>
+                </a:tc>
+                <a:tc>
+                  <a:txBody>
+                    <a:bodyPr/>
+                    <a:lstStyle/>
+                    <a:p>
+                      <a:endParaRPr lang="en-US" dirty="0"/>
+                    </a:p>
+                  </a:txBody>
+                  <a:tcPr/>
+                </a:tc>
+                <a:extLst>
+                  <a:ext uri="{0D108BD9-81ED-4DB2-BD59-A6C34878D82A}">
+                    <a16:rowId xmlns:a16="http://schemas.microsoft.com/office/drawing/2014/main" val="4278822256"/>
+                  </a:ext>
+                </a:extLst>
+              </a:tr>
+              <a:tr h="370840">
+                <a:tc>
+                  <a:txBody>
+                    <a:bodyPr/>
+                    <a:lstStyle/>
+                    <a:p>
+                      <a:r>
+                        <a:rPr lang="en-US" sz="1600" b="1" dirty="0"/>
+                        <a:t>Innovation</a:t>
+                      </a:r>
+                    </a:p>
+                    <a:p>
+                      <a:r>
+                        <a:rPr lang="en-US" sz="1600" b="0" dirty="0"/>
+                        <a:t>We use creativity and persistence to solve problems</a:t>
+                      </a:r>
+                    </a:p>
+                  </a:txBody>
+                  <a:tcPr/>
+                </a:tc>
+                <a:tc>
+                  <a:txBody>
+                    <a:bodyPr/>
+                    <a:lstStyle/>
+                    <a:p>
+                      <a:endParaRPr lang="en-US"/>
+                    </a:p>
+                  </a:txBody>
+                  <a:tcPr/>
+                </a:tc>
+                <a:extLst>
+                  <a:ext uri="{0D108BD9-81ED-4DB2-BD59-A6C34878D82A}">
+                    <a16:rowId xmlns:a16="http://schemas.microsoft.com/office/drawing/2014/main" val="3971085671"/>
+                  </a:ext>
+                </a:extLst>
+              </a:tr>
+              <a:tr h="370840">
+                <a:tc>
+                  <a:txBody>
+                    <a:bodyPr/>
+                    <a:lstStyle/>
+                    <a:p>
+                      <a:r>
+                        <a:rPr lang="en-US" sz="1600" b="1" dirty="0"/>
+                        <a:t>Impact</a:t>
+                      </a:r>
+                    </a:p>
+                    <a:p>
+                      <a:r>
+                        <a:rPr lang="en-US" sz="1600" dirty="0"/>
+                        <a:t>We apply what we learn to improve our world</a:t>
+                      </a:r>
+                    </a:p>
+                  </a:txBody>
+                  <a:tcPr/>
+                </a:tc>
+                <a:tc>
+                  <a:txBody>
+                    <a:bodyPr/>
+                    <a:lstStyle/>
+                    <a:p>
+                      <a:endParaRPr lang="en-US"/>
+                    </a:p>
+                  </a:txBody>
+                  <a:tcPr/>
+                </a:tc>
+                <a:extLst>
+                  <a:ext uri="{0D108BD9-81ED-4DB2-BD59-A6C34878D82A}">
+                    <a16:rowId xmlns:a16="http://schemas.microsoft.com/office/drawing/2014/main" val="1946875998"/>
+                  </a:ext>
+                </a:extLst>
+              </a:tr>
+              <a:tr h="370840">
+                <a:tc>
+                  <a:txBody>
+                    <a:bodyPr/>
+                    <a:lstStyle/>
+                    <a:p>
+                      <a:r>
+                        <a:rPr lang="en-US" sz="1600" b="1" dirty="0"/>
+                        <a:t>Inclusion</a:t>
+                      </a:r>
+                    </a:p>
+                    <a:p>
+                      <a:r>
+                        <a:rPr lang="en-US" sz="1600" dirty="0"/>
+                        <a:t>We respect each other and embrace our differences</a:t>
+                      </a:r>
+                    </a:p>
+                  </a:txBody>
+                  <a:tcPr/>
+                </a:tc>
+                <a:tc>
+                  <a:txBody>
+                    <a:bodyPr/>
+                    <a:lstStyle/>
+                    <a:p>
+                      <a:endParaRPr lang="en-US"/>
+                    </a:p>
+                  </a:txBody>
+                  <a:tcPr/>
+                </a:tc>
+                <a:extLst>
+                  <a:ext uri="{0D108BD9-81ED-4DB2-BD59-A6C34878D82A}">
+                    <a16:rowId xmlns:a16="http://schemas.microsoft.com/office/drawing/2014/main" val="3282402309"/>
+                  </a:ext>
+                </a:extLst>
+              </a:tr>
+              <a:tr h="350520">
+                <a:tc>
+                  <a:txBody>
+                    <a:bodyPr/>
+                    <a:lstStyle/>
+                    <a:p>
+                      <a:r>
+                        <a:rPr lang="en-US" sz="1600" b="1" dirty="0"/>
+                        <a:t>Teamwork</a:t>
+                      </a:r>
+                    </a:p>
+                    <a:p>
+                      <a:r>
+                        <a:rPr lang="en-US" sz="1600" dirty="0"/>
+                        <a:t>We are stronger together when we work together</a:t>
+                      </a:r>
+                    </a:p>
+                  </a:txBody>
+                  <a:tcPr/>
+                </a:tc>
+                <a:tc>
+                  <a:txBody>
+                    <a:bodyPr/>
+                    <a:lstStyle/>
+                    <a:p>
+                      <a:endParaRPr lang="en-US" dirty="0"/>
+                    </a:p>
+                  </a:txBody>
+                  <a:tcPr/>
+                </a:tc>
+                <a:extLst>
+                  <a:ext uri="{0D108BD9-81ED-4DB2-BD59-A6C34878D82A}">
+                    <a16:rowId xmlns:a16="http://schemas.microsoft.com/office/drawing/2014/main" val="2841753491"/>
+                  </a:ext>
+                </a:extLst>
+              </a:tr>
+              <a:tr h="370840">
+                <a:tc>
+                  <a:txBody>
+                    <a:bodyPr/>
+                    <a:lstStyle/>
+                    <a:p>
+                      <a:r>
+                        <a:rPr lang="en-US" sz="1600" b="1" dirty="0"/>
+                        <a:t>Fun</a:t>
+                      </a:r>
+                    </a:p>
+                    <a:p>
+                      <a:r>
+                        <a:rPr lang="en-US" sz="1600" dirty="0"/>
+                        <a:t>We enjoy and celebrate what we do</a:t>
+                      </a:r>
+                    </a:p>
+                  </a:txBody>
+                  <a:tcPr/>
+                </a:tc>
+                <a:tc>
+                  <a:txBody>
+                    <a:bodyPr/>
+                    <a:lstStyle/>
+                    <a:p>
+                      <a:endParaRPr lang="en-US" dirty="0"/>
+                    </a:p>
+                  </a:txBody>
+                  <a:tcPr/>
+                </a:tc>
+                <a:extLst>
+                  <a:ext uri="{0D108BD9-81ED-4DB2-BD59-A6C34878D82A}">
+                    <a16:rowId xmlns:a16="http://schemas.microsoft.com/office/drawing/2014/main" val="3777820845"/>
+                  </a:ext>
+                </a:extLst>
+              </a:tr>
+              <a:tr h="370840">
+                <a:tc>
+                  <a:txBody>
+                    <a:bodyPr/>
+                    <a:lstStyle/>
+                    <a:p>
+                      <a:r>
+                        <a:rPr lang="en-US" sz="1600" b="1" dirty="0"/>
+                        <a:t>Gracious Professionalism</a:t>
+                      </a:r>
+                    </a:p>
+                    <a:p>
+                      <a:r>
+                        <a:rPr lang="en-US" sz="1600" dirty="0"/>
+                        <a:t>We encourage high quality work, emphasize the value of others, and respect all</a:t>
+                      </a:r>
+                    </a:p>
+                  </a:txBody>
+                  <a:tcPr/>
+                </a:tc>
+                <a:tc>
+                  <a:txBody>
+                    <a:bodyPr/>
+                    <a:lstStyle/>
+                    <a:p>
+                      <a:endParaRPr lang="en-US" dirty="0"/>
+                    </a:p>
+                  </a:txBody>
+                  <a:tcPr/>
+                </a:tc>
+                <a:extLst>
+                  <a:ext uri="{0D108BD9-81ED-4DB2-BD59-A6C34878D82A}">
+                    <a16:rowId xmlns:a16="http://schemas.microsoft.com/office/drawing/2014/main" val="3011293120"/>
+                  </a:ext>
+                </a:extLst>
+              </a:tr>
+              <a:tr h="370840">
+                <a:tc>
+                  <a:txBody>
+                    <a:bodyPr/>
+                    <a:lstStyle/>
+                    <a:p>
+                      <a:r>
+                        <a:rPr lang="en-US" sz="1600" b="1" dirty="0" err="1"/>
+                        <a:t>Coopertition</a:t>
+                      </a:r>
+                      <a:endParaRPr lang="en-US" sz="1600" b="1" dirty="0"/>
+                    </a:p>
+                    <a:p>
+                      <a:r>
+                        <a:rPr lang="en-US" sz="1600" dirty="0"/>
+                        <a:t>We learn from and teach our teammates. When competing, we assist and enable others when we can.</a:t>
+                      </a:r>
+                    </a:p>
+                  </a:txBody>
+                  <a:tcPr/>
+                </a:tc>
+                <a:tc>
+                  <a:txBody>
+                    <a:bodyPr/>
+                    <a:lstStyle/>
+                    <a:p>
+                      <a:endParaRPr lang="en-US" dirty="0"/>
+                    </a:p>
+                  </a:txBody>
+                  <a:tcPr/>
+                </a:tc>
+                <a:extLst>
+                  <a:ext uri="{0D108BD9-81ED-4DB2-BD59-A6C34878D82A}">
+                    <a16:rowId xmlns:a16="http://schemas.microsoft.com/office/drawing/2014/main" val="2472460539"/>
+                  </a:ext>
+                </a:extLst>
+              </a:tr>
+            </a:tbl>
+          </a:graphicData>
+        </a:graphic>
+      </p:graphicFrame>
+    </p:spTree>
+    <p:extLst>
+      <p:ext uri="{BB962C8B-B14F-4D97-AF65-F5344CB8AC3E}">
+        <p14:creationId xmlns:p14="http://schemas.microsoft.com/office/powerpoint/2010/main" val="3063890100"/>
+      </p:ext>
+    </p:extLst>
+  </p:cSld>
+  <p:clrMapOvr>
+    <a:masterClrMapping/>
+  </p:clrMapOvr>
+</p:sld>
+</file>
+
+<file path=ppt/slides/slide9.xml><?xml version="1.0" encoding="utf-8"?>
+<p:sld xmlns:a="http://schemas.openxmlformats.org/drawingml/2006/main" xmlns:r="http://schemas.openxmlformats.org/officeDocument/2006/relationships" xmlns:p="http://schemas.openxmlformats.org/presentationml/2006/main">
+  <p:cSld>
+    <p:spTree>
+      <p:nvGrpSpPr>
+        <p:cNvPr id="1" name=""/>
+        <p:cNvGrpSpPr/>
+        <p:nvPr/>
+      </p:nvGrpSpPr>
+      <p:grpSpPr>
+        <a:xfrm>
+          <a:off x="0" y="0"/>
+          <a:ext cx="0" cy="0"/>
+          <a:chOff x="0" y="0"/>
+          <a:chExt cx="0" cy="0"/>
+        </a:xfrm>
+      </p:grpSpPr>
+      <p:sp>
+        <p:nvSpPr>
+          <p:cNvPr id="2" name="Title 1">
+            <a:extLst>
+              <a:ext uri="{FF2B5EF4-FFF2-40B4-BE49-F238E27FC236}">
+                <a16:creationId xmlns:a16="http://schemas.microsoft.com/office/drawing/2014/main" id="{1F0A1582-2E84-4426-8D27-96289BA9A413}"/>
+              </a:ext>
+            </a:extLst>
+          </p:cNvPr>
+          <p:cNvSpPr>
+            <a:spLocks noGrp="1"/>
+          </p:cNvSpPr>
+          <p:nvPr>
+            <p:ph type="title"/>
+          </p:nvPr>
+        </p:nvSpPr>
+        <p:spPr/>
+        <p:txBody>
+          <a:bodyPr/>
+          <a:lstStyle/>
+          <a:p>
+            <a:endParaRPr lang="en-US"/>
+          </a:p>
+        </p:txBody>
+      </p:sp>
+      <p:sp>
+        <p:nvSpPr>
+          <p:cNvPr id="3" name="Content Placeholder 2">
+            <a:extLst>
+              <a:ext uri="{FF2B5EF4-FFF2-40B4-BE49-F238E27FC236}">
+                <a16:creationId xmlns:a16="http://schemas.microsoft.com/office/drawing/2014/main" id="{2CD791A8-3A31-415A-AFF1-7A792B19F828}"/>
+              </a:ext>
+            </a:extLst>
+          </p:cNvPr>
+          <p:cNvSpPr>
+            <a:spLocks noGrp="1"/>
+          </p:cNvSpPr>
+          <p:nvPr>
+            <p:ph idx="1"/>
+          </p:nvPr>
+        </p:nvSpPr>
+        <p:spPr/>
+        <p:txBody>
+          <a:bodyPr/>
+          <a:lstStyle/>
+          <a:p>
+            <a:endParaRPr lang="en-US"/>
+          </a:p>
+        </p:txBody>
+      </p:sp>
+    </p:spTree>
+    <p:extLst>
+      <p:ext uri="{BB962C8B-B14F-4D97-AF65-F5344CB8AC3E}">
+        <p14:creationId xmlns:p14="http://schemas.microsoft.com/office/powerpoint/2010/main" val="2736372740"/>
       </p:ext>
     </p:extLst>
   </p:cSld>

--- a/FLL.pptx
+++ b/FLL.pptx
@@ -9,11 +9,11 @@
     <p:sldId id="257" r:id="rId3"/>
     <p:sldId id="258" r:id="rId4"/>
     <p:sldId id="259" r:id="rId5"/>
-    <p:sldId id="261" r:id="rId6"/>
-    <p:sldId id="262" r:id="rId7"/>
-    <p:sldId id="264" r:id="rId8"/>
-    <p:sldId id="265" r:id="rId9"/>
-    <p:sldId id="263" r:id="rId10"/>
+    <p:sldId id="266" r:id="rId6"/>
+    <p:sldId id="261" r:id="rId7"/>
+    <p:sldId id="262" r:id="rId8"/>
+    <p:sldId id="264" r:id="rId9"/>
+    <p:sldId id="265" r:id="rId10"/>
   </p:sldIdLst>
   <p:sldSz cx="12192000" cy="6858000"/>
   <p:notesSz cx="6858000" cy="9144000"/>
@@ -3853,6 +3853,86 @@
           <p:cNvPr id="2" name="Title 1">
             <a:extLst>
               <a:ext uri="{FF2B5EF4-FFF2-40B4-BE49-F238E27FC236}">
+                <a16:creationId xmlns:a16="http://schemas.microsoft.com/office/drawing/2014/main" id="{6B6F73CA-5607-46CB-8005-AED39D8062F5}"/>
+              </a:ext>
+            </a:extLst>
+          </p:cNvPr>
+          <p:cNvSpPr>
+            <a:spLocks noGrp="1"/>
+          </p:cNvSpPr>
+          <p:nvPr>
+            <p:ph type="title"/>
+          </p:nvPr>
+        </p:nvSpPr>
+        <p:spPr/>
+        <p:txBody>
+          <a:bodyPr/>
+          <a:lstStyle/>
+          <a:p>
+            <a:endParaRPr lang="en-US"/>
+          </a:p>
+        </p:txBody>
+      </p:sp>
+      <p:sp>
+        <p:nvSpPr>
+          <p:cNvPr id="3" name="Content Placeholder 2">
+            <a:extLst>
+              <a:ext uri="{FF2B5EF4-FFF2-40B4-BE49-F238E27FC236}">
+                <a16:creationId xmlns:a16="http://schemas.microsoft.com/office/drawing/2014/main" id="{3F380435-F8F6-4B6E-AD5C-B21EA9818558}"/>
+              </a:ext>
+            </a:extLst>
+          </p:cNvPr>
+          <p:cNvSpPr>
+            <a:spLocks noGrp="1"/>
+          </p:cNvSpPr>
+          <p:nvPr>
+            <p:ph idx="1"/>
+          </p:nvPr>
+        </p:nvSpPr>
+        <p:spPr/>
+        <p:txBody>
+          <a:bodyPr/>
+          <a:lstStyle/>
+          <a:p>
+            <a:endParaRPr lang="en-US"/>
+          </a:p>
+        </p:txBody>
+      </p:sp>
+    </p:spTree>
+    <p:extLst>
+      <p:ext uri="{BB962C8B-B14F-4D97-AF65-F5344CB8AC3E}">
+        <p14:creationId xmlns:p14="http://schemas.microsoft.com/office/powerpoint/2010/main" val="2186238150"/>
+      </p:ext>
+    </p:extLst>
+  </p:cSld>
+  <p:clrMapOvr>
+    <a:masterClrMapping/>
+  </p:clrMapOvr>
+</p:sld>
+</file>
+
+<file path=ppt/slides/slide6.xml><?xml version="1.0" encoding="utf-8"?>
+<p:sld xmlns:a="http://schemas.openxmlformats.org/drawingml/2006/main" xmlns:r="http://schemas.openxmlformats.org/officeDocument/2006/relationships" xmlns:p="http://schemas.openxmlformats.org/presentationml/2006/main">
+  <p:cSld>
+    <p:spTree>
+      <p:nvGrpSpPr>
+        <p:cNvPr id="1" name=""/>
+        <p:cNvGrpSpPr/>
+        <p:nvPr/>
+      </p:nvGrpSpPr>
+      <p:grpSpPr>
+        <a:xfrm>
+          <a:off x="0" y="0"/>
+          <a:ext cx="0" cy="0"/>
+          <a:chOff x="0" y="0"/>
+          <a:chExt cx="0" cy="0"/>
+        </a:xfrm>
+      </p:grpSpPr>
+      <p:sp>
+        <p:nvSpPr>
+          <p:cNvPr id="2" name="Title 1">
+            <a:extLst>
+              <a:ext uri="{FF2B5EF4-FFF2-40B4-BE49-F238E27FC236}">
                 <a16:creationId xmlns:a16="http://schemas.microsoft.com/office/drawing/2014/main" id="{85A2A2E5-A642-42D4-8BBC-99A44102451A}"/>
               </a:ext>
             </a:extLst>
@@ -4244,7 +4324,7 @@
 </p:sld>
 </file>
 
-<file path=ppt/slides/slide6.xml><?xml version="1.0" encoding="utf-8"?>
+<file path=ppt/slides/slide7.xml><?xml version="1.0" encoding="utf-8"?>
 <p:sld xmlns:a="http://schemas.openxmlformats.org/drawingml/2006/main" xmlns:r="http://schemas.openxmlformats.org/officeDocument/2006/relationships" xmlns:p="http://schemas.openxmlformats.org/presentationml/2006/main">
   <p:cSld>
     <p:spTree>
@@ -4795,7 +4875,7 @@
 </p:sld>
 </file>
 
-<file path=ppt/slides/slide7.xml><?xml version="1.0" encoding="utf-8"?>
+<file path=ppt/slides/slide8.xml><?xml version="1.0" encoding="utf-8"?>
 <p:sld xmlns:a="http://schemas.openxmlformats.org/drawingml/2006/main" xmlns:r="http://schemas.openxmlformats.org/officeDocument/2006/relationships" xmlns:p="http://schemas.openxmlformats.org/presentationml/2006/main">
   <p:cSld>
     <p:spTree>
@@ -5268,7 +5348,7 @@
 </p:sld>
 </file>
 
-<file path=ppt/slides/slide8.xml><?xml version="1.0" encoding="utf-8"?>
+<file path=ppt/slides/slide9.xml><?xml version="1.0" encoding="utf-8"?>
 <p:sld xmlns:a="http://schemas.openxmlformats.org/drawingml/2006/main" xmlns:r="http://schemas.openxmlformats.org/officeDocument/2006/relationships" xmlns:p="http://schemas.openxmlformats.org/presentationml/2006/main">
   <p:cSld>
     <p:spTree>
@@ -5690,86 +5770,6 @@
     <p:extLst>
       <p:ext uri="{BB962C8B-B14F-4D97-AF65-F5344CB8AC3E}">
         <p14:creationId xmlns:p14="http://schemas.microsoft.com/office/powerpoint/2010/main" val="3063890100"/>
-      </p:ext>
-    </p:extLst>
-  </p:cSld>
-  <p:clrMapOvr>
-    <a:masterClrMapping/>
-  </p:clrMapOvr>
-</p:sld>
-</file>
-
-<file path=ppt/slides/slide9.xml><?xml version="1.0" encoding="utf-8"?>
-<p:sld xmlns:a="http://schemas.openxmlformats.org/drawingml/2006/main" xmlns:r="http://schemas.openxmlformats.org/officeDocument/2006/relationships" xmlns:p="http://schemas.openxmlformats.org/presentationml/2006/main">
-  <p:cSld>
-    <p:spTree>
-      <p:nvGrpSpPr>
-        <p:cNvPr id="1" name=""/>
-        <p:cNvGrpSpPr/>
-        <p:nvPr/>
-      </p:nvGrpSpPr>
-      <p:grpSpPr>
-        <a:xfrm>
-          <a:off x="0" y="0"/>
-          <a:ext cx="0" cy="0"/>
-          <a:chOff x="0" y="0"/>
-          <a:chExt cx="0" cy="0"/>
-        </a:xfrm>
-      </p:grpSpPr>
-      <p:sp>
-        <p:nvSpPr>
-          <p:cNvPr id="2" name="Title 1">
-            <a:extLst>
-              <a:ext uri="{FF2B5EF4-FFF2-40B4-BE49-F238E27FC236}">
-                <a16:creationId xmlns:a16="http://schemas.microsoft.com/office/drawing/2014/main" id="{1F0A1582-2E84-4426-8D27-96289BA9A413}"/>
-              </a:ext>
-            </a:extLst>
-          </p:cNvPr>
-          <p:cNvSpPr>
-            <a:spLocks noGrp="1"/>
-          </p:cNvSpPr>
-          <p:nvPr>
-            <p:ph type="title"/>
-          </p:nvPr>
-        </p:nvSpPr>
-        <p:spPr/>
-        <p:txBody>
-          <a:bodyPr/>
-          <a:lstStyle/>
-          <a:p>
-            <a:endParaRPr lang="en-US"/>
-          </a:p>
-        </p:txBody>
-      </p:sp>
-      <p:sp>
-        <p:nvSpPr>
-          <p:cNvPr id="3" name="Content Placeholder 2">
-            <a:extLst>
-              <a:ext uri="{FF2B5EF4-FFF2-40B4-BE49-F238E27FC236}">
-                <a16:creationId xmlns:a16="http://schemas.microsoft.com/office/drawing/2014/main" id="{2CD791A8-3A31-415A-AFF1-7A792B19F828}"/>
-              </a:ext>
-            </a:extLst>
-          </p:cNvPr>
-          <p:cNvSpPr>
-            <a:spLocks noGrp="1"/>
-          </p:cNvSpPr>
-          <p:nvPr>
-            <p:ph idx="1"/>
-          </p:nvPr>
-        </p:nvSpPr>
-        <p:spPr/>
-        <p:txBody>
-          <a:bodyPr/>
-          <a:lstStyle/>
-          <a:p>
-            <a:endParaRPr lang="en-US"/>
-          </a:p>
-        </p:txBody>
-      </p:sp>
-    </p:spTree>
-    <p:extLst>
-      <p:ext uri="{BB962C8B-B14F-4D97-AF65-F5344CB8AC3E}">
-        <p14:creationId xmlns:p14="http://schemas.microsoft.com/office/powerpoint/2010/main" val="2736372740"/>
       </p:ext>
     </p:extLst>
   </p:cSld>

--- a/FLL.pptx
+++ b/FLL.pptx
@@ -6,14 +6,14 @@
   </p:sldMasterIdLst>
   <p:sldIdLst>
     <p:sldId id="256" r:id="rId2"/>
-    <p:sldId id="257" r:id="rId3"/>
-    <p:sldId id="258" r:id="rId4"/>
-    <p:sldId id="259" r:id="rId5"/>
-    <p:sldId id="266" r:id="rId6"/>
-    <p:sldId id="261" r:id="rId7"/>
-    <p:sldId id="262" r:id="rId8"/>
-    <p:sldId id="264" r:id="rId9"/>
-    <p:sldId id="265" r:id="rId10"/>
+    <p:sldId id="262" r:id="rId3"/>
+    <p:sldId id="261" r:id="rId4"/>
+    <p:sldId id="265" r:id="rId5"/>
+    <p:sldId id="264" r:id="rId6"/>
+    <p:sldId id="257" r:id="rId7"/>
+    <p:sldId id="258" r:id="rId8"/>
+    <p:sldId id="259" r:id="rId9"/>
+    <p:sldId id="266" r:id="rId10"/>
   </p:sldIdLst>
   <p:sldSz cx="12192000" cy="6858000"/>
   <p:notesSz cx="6858000" cy="9144000"/>
@@ -113,6 +113,27 @@
     </a:lvl9pPr>
   </p:defaultTextStyle>
   <p:extLst>
+    <p:ext uri="{521415D9-36F7-43E2-AB2F-B90AF26B5E84}">
+      <p14:sectionLst xmlns:p14="http://schemas.microsoft.com/office/powerpoint/2010/main">
+        <p14:section name="Default Section" id="{7862424E-FEAD-4241-A2D5-288BD460E0FC}">
+          <p14:sldIdLst>
+            <p14:sldId id="256"/>
+            <p14:sldId id="262"/>
+            <p14:sldId id="261"/>
+          </p14:sldIdLst>
+        </p14:section>
+        <p14:section name="backup" id="{279BB265-7564-40F9-AF62-84CB1B756021}">
+          <p14:sldIdLst>
+            <p14:sldId id="265"/>
+            <p14:sldId id="264"/>
+            <p14:sldId id="257"/>
+            <p14:sldId id="258"/>
+            <p14:sldId id="259"/>
+            <p14:sldId id="266"/>
+          </p14:sldIdLst>
+        </p14:section>
+      </p14:sectionLst>
+    </p:ext>
     <p:ext uri="{EFAFB233-063F-42B5-8137-9DF3F51BA10A}">
       <p15:sldGuideLst xmlns:p15="http://schemas.microsoft.com/office/powerpoint/2012/main"/>
     </p:ext>
@@ -267,7 +288,7 @@
           <a:p>
             <a:fld id="{335F90D1-C644-47B4-B0A2-7B4089ECCF66}" type="datetimeFigureOut">
               <a:rPr lang="en-US" smtClean="0"/>
-              <a:t>12/15/2019</a:t>
+              <a:t>1/19/2020</a:t>
             </a:fld>
             <a:endParaRPr lang="en-US"/>
           </a:p>
@@ -465,7 +486,7 @@
           <a:p>
             <a:fld id="{335F90D1-C644-47B4-B0A2-7B4089ECCF66}" type="datetimeFigureOut">
               <a:rPr lang="en-US" smtClean="0"/>
-              <a:t>12/15/2019</a:t>
+              <a:t>1/19/2020</a:t>
             </a:fld>
             <a:endParaRPr lang="en-US"/>
           </a:p>
@@ -673,7 +694,7 @@
           <a:p>
             <a:fld id="{335F90D1-C644-47B4-B0A2-7B4089ECCF66}" type="datetimeFigureOut">
               <a:rPr lang="en-US" smtClean="0"/>
-              <a:t>12/15/2019</a:t>
+              <a:t>1/19/2020</a:t>
             </a:fld>
             <a:endParaRPr lang="en-US"/>
           </a:p>
@@ -871,7 +892,7 @@
           <a:p>
             <a:fld id="{335F90D1-C644-47B4-B0A2-7B4089ECCF66}" type="datetimeFigureOut">
               <a:rPr lang="en-US" smtClean="0"/>
-              <a:t>12/15/2019</a:t>
+              <a:t>1/19/2020</a:t>
             </a:fld>
             <a:endParaRPr lang="en-US"/>
           </a:p>
@@ -1146,7 +1167,7 @@
           <a:p>
             <a:fld id="{335F90D1-C644-47B4-B0A2-7B4089ECCF66}" type="datetimeFigureOut">
               <a:rPr lang="en-US" smtClean="0"/>
-              <a:t>12/15/2019</a:t>
+              <a:t>1/19/2020</a:t>
             </a:fld>
             <a:endParaRPr lang="en-US"/>
           </a:p>
@@ -1411,7 +1432,7 @@
           <a:p>
             <a:fld id="{335F90D1-C644-47B4-B0A2-7B4089ECCF66}" type="datetimeFigureOut">
               <a:rPr lang="en-US" smtClean="0"/>
-              <a:t>12/15/2019</a:t>
+              <a:t>1/19/2020</a:t>
             </a:fld>
             <a:endParaRPr lang="en-US"/>
           </a:p>
@@ -1823,7 +1844,7 @@
           <a:p>
             <a:fld id="{335F90D1-C644-47B4-B0A2-7B4089ECCF66}" type="datetimeFigureOut">
               <a:rPr lang="en-US" smtClean="0"/>
-              <a:t>12/15/2019</a:t>
+              <a:t>1/19/2020</a:t>
             </a:fld>
             <a:endParaRPr lang="en-US"/>
           </a:p>
@@ -1964,7 +1985,7 @@
           <a:p>
             <a:fld id="{335F90D1-C644-47B4-B0A2-7B4089ECCF66}" type="datetimeFigureOut">
               <a:rPr lang="en-US" smtClean="0"/>
-              <a:t>12/15/2019</a:t>
+              <a:t>1/19/2020</a:t>
             </a:fld>
             <a:endParaRPr lang="en-US"/>
           </a:p>
@@ -2077,7 +2098,7 @@
           <a:p>
             <a:fld id="{335F90D1-C644-47B4-B0A2-7B4089ECCF66}" type="datetimeFigureOut">
               <a:rPr lang="en-US" smtClean="0"/>
-              <a:t>12/15/2019</a:t>
+              <a:t>1/19/2020</a:t>
             </a:fld>
             <a:endParaRPr lang="en-US"/>
           </a:p>
@@ -2388,7 +2409,7 @@
           <a:p>
             <a:fld id="{335F90D1-C644-47B4-B0A2-7B4089ECCF66}" type="datetimeFigureOut">
               <a:rPr lang="en-US" smtClean="0"/>
-              <a:t>12/15/2019</a:t>
+              <a:t>1/19/2020</a:t>
             </a:fld>
             <a:endParaRPr lang="en-US"/>
           </a:p>
@@ -2676,7 +2697,7 @@
           <a:p>
             <a:fld id="{335F90D1-C644-47B4-B0A2-7B4089ECCF66}" type="datetimeFigureOut">
               <a:rPr lang="en-US" smtClean="0"/>
-              <a:t>12/15/2019</a:t>
+              <a:t>1/19/2020</a:t>
             </a:fld>
             <a:endParaRPr lang="en-US"/>
           </a:p>
@@ -2917,7 +2938,7 @@
           <a:p>
             <a:fld id="{335F90D1-C644-47B4-B0A2-7B4089ECCF66}" type="datetimeFigureOut">
               <a:rPr lang="en-US" smtClean="0"/>
-              <a:t>12/15/2019</a:t>
+              <a:t>1/19/2020</a:t>
             </a:fld>
             <a:endParaRPr lang="en-US"/>
           </a:p>
@@ -3435,7 +3456,7 @@
           <p:cNvPr id="2" name="Title 1">
             <a:extLst>
               <a:ext uri="{FF2B5EF4-FFF2-40B4-BE49-F238E27FC236}">
-                <a16:creationId xmlns:a16="http://schemas.microsoft.com/office/drawing/2014/main" id="{1D48C05F-1CAD-4A95-AD83-1F4BDFE05B1F}"/>
+                <a16:creationId xmlns:a16="http://schemas.microsoft.com/office/drawing/2014/main" id="{85A2A2E5-A642-42D4-8BBC-99A44102451A}"/>
               </a:ext>
             </a:extLst>
           </p:cNvPr>
@@ -3453,99 +3474,387 @@
           <a:p>
             <a:r>
               <a:rPr lang="en-US" dirty="0"/>
-              <a:t>Cars crashing into houses</a:t>
-            </a:r>
-          </a:p>
-        </p:txBody>
-      </p:sp>
-      <p:sp>
-        <p:nvSpPr>
-          <p:cNvPr id="3" name="Content Placeholder 2">
-            <a:extLst>
-              <a:ext uri="{FF2B5EF4-FFF2-40B4-BE49-F238E27FC236}">
-                <a16:creationId xmlns:a16="http://schemas.microsoft.com/office/drawing/2014/main" id="{7633094A-D40D-4641-8B6A-B47A215FF918}"/>
-              </a:ext>
-            </a:extLst>
-          </p:cNvPr>
-          <p:cNvSpPr>
-            <a:spLocks noGrp="1"/>
-          </p:cNvSpPr>
+              <a:t>Robot Design Summary</a:t>
+            </a:r>
+          </a:p>
+        </p:txBody>
+      </p:sp>
+      <p:graphicFrame>
+        <p:nvGraphicFramePr>
+          <p:cNvPr id="4" name="Table 4">
+            <a:extLst>
+              <a:ext uri="{FF2B5EF4-FFF2-40B4-BE49-F238E27FC236}">
+                <a16:creationId xmlns:a16="http://schemas.microsoft.com/office/drawing/2014/main" id="{BA07C363-3094-47E5-89DF-A817CDC72D1E}"/>
+              </a:ext>
+            </a:extLst>
+          </p:cNvPr>
+          <p:cNvGraphicFramePr>
+            <a:graphicFrameLocks noGrp="1"/>
+          </p:cNvGraphicFramePr>
           <p:nvPr>
             <p:ph idx="1"/>
-          </p:nvPr>
-        </p:nvSpPr>
-        <p:spPr>
-          <a:xfrm>
-            <a:off x="838200" y="1825625"/>
-            <a:ext cx="10515600" cy="4156075"/>
-          </a:xfrm>
-        </p:spPr>
-        <p:txBody>
-          <a:bodyPr/>
-          <a:lstStyle/>
-          <a:p>
-            <a:r>
-              <a:rPr lang="en-US" dirty="0"/>
-              <a:t>The problems</a:t>
-            </a:r>
-          </a:p>
-          <a:p>
-            <a:pPr lvl="1"/>
-            <a:r>
-              <a:rPr lang="en-US" dirty="0"/>
-              <a:t>Some streets have a weird turn that makes it hard to not crash into houses.</a:t>
-            </a:r>
-          </a:p>
-          <a:p>
-            <a:r>
-              <a:rPr lang="en-US" dirty="0"/>
-              <a:t>History</a:t>
-            </a:r>
-          </a:p>
-          <a:p>
-            <a:pPr lvl="1"/>
-            <a:r>
-              <a:rPr lang="en-US" dirty="0"/>
-              <a:t>Get from Melanie</a:t>
-            </a:r>
-          </a:p>
-          <a:p>
-            <a:r>
-              <a:rPr lang="en-US" dirty="0"/>
-              <a:t>Possible solutions</a:t>
-            </a:r>
-          </a:p>
-          <a:p>
-            <a:pPr lvl="1"/>
-            <a:r>
-              <a:rPr lang="en-US" dirty="0"/>
-              <a:t>More stop signs</a:t>
-            </a:r>
-          </a:p>
-          <a:p>
-            <a:pPr lvl="1"/>
-            <a:r>
-              <a:rPr lang="en-US" dirty="0"/>
-              <a:t>Fix the ROADS/Try to make them more straight</a:t>
-            </a:r>
-          </a:p>
-          <a:p>
-            <a:pPr lvl="1"/>
-            <a:r>
-              <a:rPr lang="en-US" dirty="0"/>
-              <a:t>Put houses on metal stilts to prevent cars from crashing into houses</a:t>
-            </a:r>
-          </a:p>
-          <a:p>
-            <a:pPr lvl="1"/>
-            <a:endParaRPr lang="en-US" dirty="0"/>
-          </a:p>
-        </p:txBody>
-      </p:sp>
+            <p:extLst>
+              <p:ext uri="{D42A27DB-BD31-4B8C-83A1-F6EECF244321}">
+                <p14:modId xmlns:p14="http://schemas.microsoft.com/office/powerpoint/2010/main" val="1435245210"/>
+              </p:ext>
+            </p:extLst>
+          </p:nvPr>
+        </p:nvGraphicFramePr>
+        <p:xfrm>
+          <a:off x="304800" y="360680"/>
+          <a:ext cx="11341101" cy="5836918"/>
+        </p:xfrm>
+        <a:graphic>
+          <a:graphicData uri="http://schemas.openxmlformats.org/drawingml/2006/table">
+            <a:tbl>
+              <a:tblPr firstRow="1" bandRow="1">
+                <a:tableStyleId>{5C22544A-7EE6-4342-B048-85BDC9FD1C3A}</a:tableStyleId>
+              </a:tblPr>
+              <a:tblGrid>
+                <a:gridCol w="2886825">
+                  <a:extLst>
+                    <a:ext uri="{9D8B030D-6E8A-4147-A177-3AD203B41FA5}">
+                      <a16:colId xmlns:a16="http://schemas.microsoft.com/office/drawing/2014/main" val="1625645682"/>
+                    </a:ext>
+                  </a:extLst>
+                </a:gridCol>
+                <a:gridCol w="4227138">
+                  <a:extLst>
+                    <a:ext uri="{9D8B030D-6E8A-4147-A177-3AD203B41FA5}">
+                      <a16:colId xmlns:a16="http://schemas.microsoft.com/office/drawing/2014/main" val="3060252060"/>
+                    </a:ext>
+                  </a:extLst>
+                </a:gridCol>
+                <a:gridCol w="4227138">
+                  <a:extLst>
+                    <a:ext uri="{9D8B030D-6E8A-4147-A177-3AD203B41FA5}">
+                      <a16:colId xmlns:a16="http://schemas.microsoft.com/office/drawing/2014/main" val="2173353960"/>
+                    </a:ext>
+                  </a:extLst>
+                </a:gridCol>
+              </a:tblGrid>
+              <a:tr h="500699">
+                <a:tc>
+                  <a:txBody>
+                    <a:bodyPr/>
+                    <a:lstStyle/>
+                    <a:p>
+                      <a:r>
+                        <a:rPr lang="en-US" dirty="0"/>
+                        <a:t>Program Name</a:t>
+                      </a:r>
+                    </a:p>
+                  </a:txBody>
+                  <a:tcPr/>
+                </a:tc>
+                <a:tc>
+                  <a:txBody>
+                    <a:bodyPr/>
+                    <a:lstStyle/>
+                    <a:p>
+                      <a:r>
+                        <a:rPr lang="en-US" dirty="0"/>
+                        <a:t>Missions Accomplished</a:t>
+                      </a:r>
+                    </a:p>
+                  </a:txBody>
+                  <a:tcPr/>
+                </a:tc>
+                <a:tc>
+                  <a:txBody>
+                    <a:bodyPr/>
+                    <a:lstStyle/>
+                    <a:p>
+                      <a:r>
+                        <a:rPr lang="en-US" dirty="0"/>
+                        <a:t>Programmed Robot Actions</a:t>
+                      </a:r>
+                    </a:p>
+                  </a:txBody>
+                  <a:tcPr/>
+                </a:tc>
+                <a:extLst>
+                  <a:ext uri="{0D108BD9-81ED-4DB2-BD59-A6C34878D82A}">
+                    <a16:rowId xmlns:a16="http://schemas.microsoft.com/office/drawing/2014/main" val="3169571717"/>
+                  </a:ext>
+                </a:extLst>
+              </a:tr>
+              <a:tr h="987681">
+                <a:tc>
+                  <a:txBody>
+                    <a:bodyPr/>
+                    <a:lstStyle/>
+                    <a:p>
+                      <a:r>
+                        <a:rPr lang="en-US" sz="1400" i="1" dirty="0"/>
+                        <a:t>What is the program called in your robot?</a:t>
+                      </a:r>
+                    </a:p>
+                  </a:txBody>
+                  <a:tcPr/>
+                </a:tc>
+                <a:tc>
+                  <a:txBody>
+                    <a:bodyPr/>
+                    <a:lstStyle/>
+                    <a:p>
+                      <a:r>
+                        <a:rPr lang="en-US" sz="1400" i="1" dirty="0"/>
+                        <a:t>List the missions your robot will accomplish in this program</a:t>
+                      </a:r>
+                    </a:p>
+                  </a:txBody>
+                  <a:tcPr/>
+                </a:tc>
+                <a:tc>
+                  <a:txBody>
+                    <a:bodyPr/>
+                    <a:lstStyle/>
+                    <a:p>
+                      <a:r>
+                        <a:rPr lang="en-US" sz="1400" i="1" dirty="0"/>
+                        <a:t>List the types of actions performed in the program. List any programming commands like loops and functions</a:t>
+                      </a:r>
+                    </a:p>
+                  </a:txBody>
+                  <a:tcPr/>
+                </a:tc>
+                <a:extLst>
+                  <a:ext uri="{0D108BD9-81ED-4DB2-BD59-A6C34878D82A}">
+                    <a16:rowId xmlns:a16="http://schemas.microsoft.com/office/drawing/2014/main" val="4278822256"/>
+                  </a:ext>
+                </a:extLst>
+              </a:tr>
+              <a:tr h="2345742">
+                <a:tc>
+                  <a:txBody>
+                    <a:bodyPr/>
+                    <a:lstStyle/>
+                    <a:p>
+                      <a:r>
+                        <a:rPr lang="en-US" dirty="0"/>
+                        <a:t>Bridge</a:t>
+                      </a:r>
+                    </a:p>
+                  </a:txBody>
+                  <a:tcPr/>
+                </a:tc>
+                <a:tc>
+                  <a:txBody>
+                    <a:bodyPr/>
+                    <a:lstStyle/>
+                    <a:p>
+                      <a:r>
+                        <a:rPr lang="en-US" dirty="0"/>
+                        <a:t>Put up flags on bridge</a:t>
+                      </a:r>
+                    </a:p>
+                  </a:txBody>
+                  <a:tcPr/>
+                </a:tc>
+                <a:tc>
+                  <a:txBody>
+                    <a:bodyPr/>
+                    <a:lstStyle/>
+                    <a:p>
+                      <a:r>
+                        <a:rPr lang="en-US" dirty="0"/>
+                        <a:t>It says “</a:t>
+                      </a:r>
+                      <a:r>
+                        <a:rPr lang="en-US" dirty="0" err="1"/>
+                        <a:t>okie</a:t>
+                      </a:r>
+                      <a:r>
+                        <a:rPr lang="en-US" dirty="0"/>
+                        <a:t> </a:t>
+                      </a:r>
+                      <a:r>
+                        <a:rPr lang="en-US" dirty="0" err="1"/>
+                        <a:t>dokie</a:t>
+                      </a:r>
+                      <a:r>
+                        <a:rPr lang="en-US" dirty="0"/>
+                        <a:t>” and then put up the arm then it goes forward then turns left then goes more forward up onto the bridge and then stops on the left flag</a:t>
+                      </a:r>
+                    </a:p>
+                  </a:txBody>
+                  <a:tcPr/>
+                </a:tc>
+                <a:extLst>
+                  <a:ext uri="{0D108BD9-81ED-4DB2-BD59-A6C34878D82A}">
+                    <a16:rowId xmlns:a16="http://schemas.microsoft.com/office/drawing/2014/main" val="3971085671"/>
+                  </a:ext>
+                </a:extLst>
+              </a:tr>
+              <a:tr h="500699">
+                <a:tc>
+                  <a:txBody>
+                    <a:bodyPr/>
+                    <a:lstStyle/>
+                    <a:p>
+                      <a:r>
+                        <a:rPr lang="en-US" dirty="0"/>
+                        <a:t>Wheelchair</a:t>
+                      </a:r>
+                    </a:p>
+                  </a:txBody>
+                  <a:tcPr/>
+                </a:tc>
+                <a:tc>
+                  <a:txBody>
+                    <a:bodyPr/>
+                    <a:lstStyle/>
+                    <a:p>
+                      <a:endParaRPr lang="en-US" dirty="0"/>
+                    </a:p>
+                  </a:txBody>
+                  <a:tcPr/>
+                </a:tc>
+                <a:tc>
+                  <a:txBody>
+                    <a:bodyPr/>
+                    <a:lstStyle/>
+                    <a:p>
+                      <a:endParaRPr lang="en-US" dirty="0"/>
+                    </a:p>
+                  </a:txBody>
+                  <a:tcPr/>
+                </a:tc>
+                <a:extLst>
+                  <a:ext uri="{0D108BD9-81ED-4DB2-BD59-A6C34878D82A}">
+                    <a16:rowId xmlns:a16="http://schemas.microsoft.com/office/drawing/2014/main" val="1946875998"/>
+                  </a:ext>
+                </a:extLst>
+              </a:tr>
+              <a:tr h="500699">
+                <a:tc>
+                  <a:txBody>
+                    <a:bodyPr/>
+                    <a:lstStyle/>
+                    <a:p>
+                      <a:r>
+                        <a:rPr lang="en-US" dirty="0"/>
+                        <a:t>Red Pusher</a:t>
+                      </a:r>
+                    </a:p>
+                  </a:txBody>
+                  <a:tcPr/>
+                </a:tc>
+                <a:tc>
+                  <a:txBody>
+                    <a:bodyPr/>
+                    <a:lstStyle/>
+                    <a:p>
+                      <a:endParaRPr lang="en-US"/>
+                    </a:p>
+                  </a:txBody>
+                  <a:tcPr/>
+                </a:tc>
+                <a:tc>
+                  <a:txBody>
+                    <a:bodyPr/>
+                    <a:lstStyle/>
+                    <a:p>
+                      <a:endParaRPr lang="en-US"/>
+                    </a:p>
+                  </a:txBody>
+                  <a:tcPr/>
+                </a:tc>
+                <a:extLst>
+                  <a:ext uri="{0D108BD9-81ED-4DB2-BD59-A6C34878D82A}">
+                    <a16:rowId xmlns:a16="http://schemas.microsoft.com/office/drawing/2014/main" val="3282402309"/>
+                  </a:ext>
+                </a:extLst>
+              </a:tr>
+              <a:tr h="500699">
+                <a:tc>
+                  <a:txBody>
+                    <a:bodyPr/>
+                    <a:lstStyle/>
+                    <a:p>
+                      <a:r>
+                        <a:rPr lang="en-US" dirty="0"/>
+                        <a:t>Black Pusher</a:t>
+                      </a:r>
+                    </a:p>
+                  </a:txBody>
+                  <a:tcPr/>
+                </a:tc>
+                <a:tc>
+                  <a:txBody>
+                    <a:bodyPr/>
+                    <a:lstStyle/>
+                    <a:p>
+                      <a:endParaRPr lang="en-US"/>
+                    </a:p>
+                  </a:txBody>
+                  <a:tcPr/>
+                </a:tc>
+                <a:tc>
+                  <a:txBody>
+                    <a:bodyPr/>
+                    <a:lstStyle/>
+                    <a:p>
+                      <a:endParaRPr lang="en-US"/>
+                    </a:p>
+                  </a:txBody>
+                  <a:tcPr/>
+                </a:tc>
+                <a:extLst>
+                  <a:ext uri="{0D108BD9-81ED-4DB2-BD59-A6C34878D82A}">
+                    <a16:rowId xmlns:a16="http://schemas.microsoft.com/office/drawing/2014/main" val="2841753491"/>
+                  </a:ext>
+                </a:extLst>
+              </a:tr>
+              <a:tr h="500699">
+                <a:tc>
+                  <a:txBody>
+                    <a:bodyPr/>
+                    <a:lstStyle/>
+                    <a:p>
+                      <a:r>
+                        <a:rPr lang="en-US" dirty="0"/>
+                        <a:t>Tan Pusher</a:t>
+                      </a:r>
+                    </a:p>
+                  </a:txBody>
+                  <a:tcPr/>
+                </a:tc>
+                <a:tc>
+                  <a:txBody>
+                    <a:bodyPr/>
+                    <a:lstStyle/>
+                    <a:p>
+                      <a:endParaRPr lang="en-US"/>
+                    </a:p>
+                  </a:txBody>
+                  <a:tcPr/>
+                </a:tc>
+                <a:tc>
+                  <a:txBody>
+                    <a:bodyPr/>
+                    <a:lstStyle/>
+                    <a:p>
+                      <a:endParaRPr lang="en-US" dirty="0"/>
+                    </a:p>
+                  </a:txBody>
+                  <a:tcPr/>
+                </a:tc>
+                <a:extLst>
+                  <a:ext uri="{0D108BD9-81ED-4DB2-BD59-A6C34878D82A}">
+                    <a16:rowId xmlns:a16="http://schemas.microsoft.com/office/drawing/2014/main" val="3011293120"/>
+                  </a:ext>
+                </a:extLst>
+              </a:tr>
+            </a:tbl>
+          </a:graphicData>
+        </a:graphic>
+      </p:graphicFrame>
     </p:spTree>
     <p:extLst>
       <p:ext uri="{BB962C8B-B14F-4D97-AF65-F5344CB8AC3E}">
-        <p14:creationId xmlns:p14="http://schemas.microsoft.com/office/powerpoint/2010/main" val="379190876"/>
+        <p14:creationId xmlns:p14="http://schemas.microsoft.com/office/powerpoint/2010/main" val="143448540"/>
       </p:ext>
     </p:extLst>
   </p:cSld>
@@ -3556,362 +3865,6 @@
 </file>
 
 <file path=ppt/slides/slide3.xml><?xml version="1.0" encoding="utf-8"?>
-<p:sld xmlns:a="http://schemas.openxmlformats.org/drawingml/2006/main" xmlns:r="http://schemas.openxmlformats.org/officeDocument/2006/relationships" xmlns:p="http://schemas.openxmlformats.org/presentationml/2006/main">
-  <p:cSld>
-    <p:spTree>
-      <p:nvGrpSpPr>
-        <p:cNvPr id="1" name=""/>
-        <p:cNvGrpSpPr/>
-        <p:nvPr/>
-      </p:nvGrpSpPr>
-      <p:grpSpPr>
-        <a:xfrm>
-          <a:off x="0" y="0"/>
-          <a:ext cx="0" cy="0"/>
-          <a:chOff x="0" y="0"/>
-          <a:chExt cx="0" cy="0"/>
-        </a:xfrm>
-      </p:grpSpPr>
-      <p:sp>
-        <p:nvSpPr>
-          <p:cNvPr id="2" name="Title 1">
-            <a:extLst>
-              <a:ext uri="{FF2B5EF4-FFF2-40B4-BE49-F238E27FC236}">
-                <a16:creationId xmlns:a16="http://schemas.microsoft.com/office/drawing/2014/main" id="{1D48C05F-1CAD-4A95-AD83-1F4BDFE05B1F}"/>
-              </a:ext>
-            </a:extLst>
-          </p:cNvPr>
-          <p:cNvSpPr>
-            <a:spLocks noGrp="1"/>
-          </p:cNvSpPr>
-          <p:nvPr>
-            <p:ph type="title"/>
-          </p:nvPr>
-        </p:nvSpPr>
-        <p:spPr/>
-        <p:txBody>
-          <a:bodyPr/>
-          <a:lstStyle/>
-          <a:p>
-            <a:r>
-              <a:rPr lang="en-US" dirty="0"/>
-              <a:t>Animal Safety</a:t>
-            </a:r>
-          </a:p>
-        </p:txBody>
-      </p:sp>
-      <p:sp>
-        <p:nvSpPr>
-          <p:cNvPr id="3" name="Content Placeholder 2">
-            <a:extLst>
-              <a:ext uri="{FF2B5EF4-FFF2-40B4-BE49-F238E27FC236}">
-                <a16:creationId xmlns:a16="http://schemas.microsoft.com/office/drawing/2014/main" id="{7633094A-D40D-4641-8B6A-B47A215FF918}"/>
-              </a:ext>
-            </a:extLst>
-          </p:cNvPr>
-          <p:cNvSpPr>
-            <a:spLocks noGrp="1"/>
-          </p:cNvSpPr>
-          <p:nvPr>
-            <p:ph idx="1"/>
-          </p:nvPr>
-        </p:nvSpPr>
-        <p:spPr/>
-        <p:txBody>
-          <a:bodyPr/>
-          <a:lstStyle/>
-          <a:p>
-            <a:r>
-              <a:rPr lang="en-US" dirty="0"/>
-              <a:t>The problem:</a:t>
-            </a:r>
-          </a:p>
-          <a:p>
-            <a:pPr marL="514350" indent="-514350">
-              <a:buFont typeface="+mj-lt"/>
-              <a:buAutoNum type="arabicPeriod"/>
-            </a:pPr>
-            <a:r>
-              <a:rPr lang="en-US" dirty="0"/>
-              <a:t>Animals are getting killed on roads and turning into lifeless corps</a:t>
-            </a:r>
-          </a:p>
-          <a:p>
-            <a:pPr marL="514350" indent="-514350">
-              <a:buFont typeface="+mj-lt"/>
-              <a:buAutoNum type="arabicPeriod"/>
-            </a:pPr>
-            <a:r>
-              <a:rPr lang="en-US" dirty="0"/>
-              <a:t>People are not liking animals</a:t>
-            </a:r>
-          </a:p>
-          <a:p>
-            <a:pPr marL="514350" indent="-514350">
-              <a:buFont typeface="+mj-lt"/>
-              <a:buAutoNum type="arabicPeriod"/>
-            </a:pPr>
-            <a:r>
-              <a:rPr lang="en-US" dirty="0"/>
-              <a:t>People are going too fast and have distractions </a:t>
-            </a:r>
-          </a:p>
-          <a:p>
-            <a:pPr lvl="1"/>
-            <a:endParaRPr lang="en-US" dirty="0"/>
-          </a:p>
-          <a:p>
-            <a:r>
-              <a:rPr lang="en-US" dirty="0"/>
-              <a:t>History</a:t>
-            </a:r>
-          </a:p>
-          <a:p>
-            <a:pPr marL="914400" lvl="1" indent="-457200">
-              <a:buFont typeface="+mj-lt"/>
-              <a:buAutoNum type="arabicPeriod"/>
-            </a:pPr>
-            <a:r>
-              <a:rPr lang="en-US" dirty="0">
-                <a:hlinkClick r:id="rId2"/>
-              </a:rPr>
-              <a:t>https://www.citylab.com/environment/2017/09/how-do-you-stop-drivers-from-smacking-into-wild-animals/541047/</a:t>
-            </a:r>
-            <a:r>
-              <a:rPr lang="en-US" dirty="0"/>
-              <a:t> </a:t>
-            </a:r>
-          </a:p>
-          <a:p>
-            <a:r>
-              <a:rPr lang="en-US" dirty="0"/>
-              <a:t>Possible solutions</a:t>
-            </a:r>
-          </a:p>
-          <a:p>
-            <a:endParaRPr lang="en-US" dirty="0"/>
-          </a:p>
-        </p:txBody>
-      </p:sp>
-    </p:spTree>
-    <p:extLst>
-      <p:ext uri="{BB962C8B-B14F-4D97-AF65-F5344CB8AC3E}">
-        <p14:creationId xmlns:p14="http://schemas.microsoft.com/office/powerpoint/2010/main" val="2411401397"/>
-      </p:ext>
-    </p:extLst>
-  </p:cSld>
-  <p:clrMapOvr>
-    <a:masterClrMapping/>
-  </p:clrMapOvr>
-</p:sld>
-</file>
-
-<file path=ppt/slides/slide4.xml><?xml version="1.0" encoding="utf-8"?>
-<p:sld xmlns:a="http://schemas.openxmlformats.org/drawingml/2006/main" xmlns:r="http://schemas.openxmlformats.org/officeDocument/2006/relationships" xmlns:p="http://schemas.openxmlformats.org/presentationml/2006/main">
-  <p:cSld>
-    <p:spTree>
-      <p:nvGrpSpPr>
-        <p:cNvPr id="1" name=""/>
-        <p:cNvGrpSpPr/>
-        <p:nvPr/>
-      </p:nvGrpSpPr>
-      <p:grpSpPr>
-        <a:xfrm>
-          <a:off x="0" y="0"/>
-          <a:ext cx="0" cy="0"/>
-          <a:chOff x="0" y="0"/>
-          <a:chExt cx="0" cy="0"/>
-        </a:xfrm>
-      </p:grpSpPr>
-      <p:sp>
-        <p:nvSpPr>
-          <p:cNvPr id="2" name="Title 1">
-            <a:extLst>
-              <a:ext uri="{FF2B5EF4-FFF2-40B4-BE49-F238E27FC236}">
-                <a16:creationId xmlns:a16="http://schemas.microsoft.com/office/drawing/2014/main" id="{1D48C05F-1CAD-4A95-AD83-1F4BDFE05B1F}"/>
-              </a:ext>
-            </a:extLst>
-          </p:cNvPr>
-          <p:cNvSpPr>
-            <a:spLocks noGrp="1"/>
-          </p:cNvSpPr>
-          <p:nvPr>
-            <p:ph type="title"/>
-          </p:nvPr>
-        </p:nvSpPr>
-        <p:spPr/>
-        <p:txBody>
-          <a:bodyPr/>
-          <a:lstStyle/>
-          <a:p>
-            <a:r>
-              <a:rPr lang="en-US" dirty="0"/>
-              <a:t>Pedestrian Safety</a:t>
-            </a:r>
-          </a:p>
-        </p:txBody>
-      </p:sp>
-      <p:sp>
-        <p:nvSpPr>
-          <p:cNvPr id="3" name="Content Placeholder 2">
-            <a:extLst>
-              <a:ext uri="{FF2B5EF4-FFF2-40B4-BE49-F238E27FC236}">
-                <a16:creationId xmlns:a16="http://schemas.microsoft.com/office/drawing/2014/main" id="{7633094A-D40D-4641-8B6A-B47A215FF918}"/>
-              </a:ext>
-            </a:extLst>
-          </p:cNvPr>
-          <p:cNvSpPr>
-            <a:spLocks noGrp="1"/>
-          </p:cNvSpPr>
-          <p:nvPr>
-            <p:ph idx="1"/>
-          </p:nvPr>
-        </p:nvSpPr>
-        <p:spPr/>
-        <p:txBody>
-          <a:bodyPr>
-            <a:normAutofit fontScale="92500" lnSpcReduction="20000"/>
-          </a:bodyPr>
-          <a:lstStyle/>
-          <a:p>
-            <a:r>
-              <a:rPr lang="en-US" dirty="0"/>
-              <a:t>The problem</a:t>
-            </a:r>
-          </a:p>
-          <a:p>
-            <a:r>
-              <a:rPr lang="en-US" dirty="0"/>
-              <a:t>History </a:t>
-            </a:r>
-          </a:p>
-          <a:p>
-            <a:pPr lvl="1"/>
-            <a:endParaRPr lang="en-US" dirty="0"/>
-          </a:p>
-          <a:p>
-            <a:r>
-              <a:rPr lang="en-US" dirty="0"/>
-              <a:t>Possible solutions</a:t>
-            </a:r>
-          </a:p>
-          <a:p>
-            <a:endParaRPr lang="en-US" dirty="0"/>
-          </a:p>
-          <a:p>
-            <a:endParaRPr lang="en-US" dirty="0"/>
-          </a:p>
-          <a:p>
-            <a:endParaRPr lang="en-US" dirty="0"/>
-          </a:p>
-          <a:p>
-            <a:endParaRPr lang="en-US" dirty="0"/>
-          </a:p>
-          <a:p>
-            <a:r>
-              <a:rPr lang="en-US" dirty="0">
-                <a:hlinkClick r:id="rId2"/>
-              </a:rPr>
-              <a:t>https://www.nbcsandiego.com/news/local/Northbound-Interstate-5-Off-Ramp-Closed-India-Street-San-Diego-565681702.html#:~:targetText=A%20pedestrian%20was%20killed%20Monday,the%20San%20Diego%20Police%20Department.</a:t>
-            </a:r>
-            <a:endParaRPr lang="en-US" dirty="0"/>
-          </a:p>
-        </p:txBody>
-      </p:sp>
-    </p:spTree>
-    <p:extLst>
-      <p:ext uri="{BB962C8B-B14F-4D97-AF65-F5344CB8AC3E}">
-        <p14:creationId xmlns:p14="http://schemas.microsoft.com/office/powerpoint/2010/main" val="4013290208"/>
-      </p:ext>
-    </p:extLst>
-  </p:cSld>
-  <p:clrMapOvr>
-    <a:masterClrMapping/>
-  </p:clrMapOvr>
-</p:sld>
-</file>
-
-<file path=ppt/slides/slide5.xml><?xml version="1.0" encoding="utf-8"?>
-<p:sld xmlns:a="http://schemas.openxmlformats.org/drawingml/2006/main" xmlns:r="http://schemas.openxmlformats.org/officeDocument/2006/relationships" xmlns:p="http://schemas.openxmlformats.org/presentationml/2006/main">
-  <p:cSld>
-    <p:spTree>
-      <p:nvGrpSpPr>
-        <p:cNvPr id="1" name=""/>
-        <p:cNvGrpSpPr/>
-        <p:nvPr/>
-      </p:nvGrpSpPr>
-      <p:grpSpPr>
-        <a:xfrm>
-          <a:off x="0" y="0"/>
-          <a:ext cx="0" cy="0"/>
-          <a:chOff x="0" y="0"/>
-          <a:chExt cx="0" cy="0"/>
-        </a:xfrm>
-      </p:grpSpPr>
-      <p:sp>
-        <p:nvSpPr>
-          <p:cNvPr id="2" name="Title 1">
-            <a:extLst>
-              <a:ext uri="{FF2B5EF4-FFF2-40B4-BE49-F238E27FC236}">
-                <a16:creationId xmlns:a16="http://schemas.microsoft.com/office/drawing/2014/main" id="{6B6F73CA-5607-46CB-8005-AED39D8062F5}"/>
-              </a:ext>
-            </a:extLst>
-          </p:cNvPr>
-          <p:cNvSpPr>
-            <a:spLocks noGrp="1"/>
-          </p:cNvSpPr>
-          <p:nvPr>
-            <p:ph type="title"/>
-          </p:nvPr>
-        </p:nvSpPr>
-        <p:spPr/>
-        <p:txBody>
-          <a:bodyPr/>
-          <a:lstStyle/>
-          <a:p>
-            <a:endParaRPr lang="en-US"/>
-          </a:p>
-        </p:txBody>
-      </p:sp>
-      <p:sp>
-        <p:nvSpPr>
-          <p:cNvPr id="3" name="Content Placeholder 2">
-            <a:extLst>
-              <a:ext uri="{FF2B5EF4-FFF2-40B4-BE49-F238E27FC236}">
-                <a16:creationId xmlns:a16="http://schemas.microsoft.com/office/drawing/2014/main" id="{3F380435-F8F6-4B6E-AD5C-B21EA9818558}"/>
-              </a:ext>
-            </a:extLst>
-          </p:cNvPr>
-          <p:cNvSpPr>
-            <a:spLocks noGrp="1"/>
-          </p:cNvSpPr>
-          <p:nvPr>
-            <p:ph idx="1"/>
-          </p:nvPr>
-        </p:nvSpPr>
-        <p:spPr/>
-        <p:txBody>
-          <a:bodyPr/>
-          <a:lstStyle/>
-          <a:p>
-            <a:endParaRPr lang="en-US"/>
-          </a:p>
-        </p:txBody>
-      </p:sp>
-    </p:spTree>
-    <p:extLst>
-      <p:ext uri="{BB962C8B-B14F-4D97-AF65-F5344CB8AC3E}">
-        <p14:creationId xmlns:p14="http://schemas.microsoft.com/office/powerpoint/2010/main" val="2186238150"/>
-      </p:ext>
-    </p:extLst>
-  </p:cSld>
-  <p:clrMapOvr>
-    <a:masterClrMapping/>
-  </p:clrMapOvr>
-</p:sld>
-</file>
-
-<file path=ppt/slides/slide6.xml><?xml version="1.0" encoding="utf-8"?>
 <p:sld xmlns:a="http://schemas.openxmlformats.org/drawingml/2006/main" xmlns:r="http://schemas.openxmlformats.org/officeDocument/2006/relationships" xmlns:p="http://schemas.openxmlformats.org/presentationml/2006/main">
   <p:cSld>
     <p:spTree>
@@ -4324,7 +4277,7 @@
 </p:sld>
 </file>
 
-<file path=ppt/slides/slide7.xml><?xml version="1.0" encoding="utf-8"?>
+<file path=ppt/slides/slide4.xml><?xml version="1.0" encoding="utf-8"?>
 <p:sld xmlns:a="http://schemas.openxmlformats.org/drawingml/2006/main" xmlns:r="http://schemas.openxmlformats.org/officeDocument/2006/relationships" xmlns:p="http://schemas.openxmlformats.org/presentationml/2006/main">
   <p:cSld>
     <p:spTree>
@@ -4385,14 +4338,14 @@
             <p:ph idx="1"/>
             <p:extLst>
               <p:ext uri="{D42A27DB-BD31-4B8C-83A1-F6EECF244321}">
-                <p14:modId xmlns:p14="http://schemas.microsoft.com/office/powerpoint/2010/main" val="285656896"/>
+                <p14:modId xmlns:p14="http://schemas.microsoft.com/office/powerpoint/2010/main" val="2036564658"/>
               </p:ext>
             </p:extLst>
           </p:nvPr>
         </p:nvGraphicFramePr>
         <p:xfrm>
-          <a:off x="304800" y="360680"/>
-          <a:ext cx="10515599" cy="4693920"/>
+          <a:off x="228600" y="52705"/>
+          <a:ext cx="10515600" cy="6466840"/>
         </p:xfrm>
         <a:graphic>
           <a:graphicData uri="http://schemas.openxmlformats.org/drawingml/2006/table">
@@ -4401,28 +4354,14 @@
                 <a:tableStyleId>{5C22544A-7EE6-4342-B048-85BDC9FD1C3A}</a:tableStyleId>
               </a:tblPr>
               <a:tblGrid>
-                <a:gridCol w="1949912">
+                <a:gridCol w="4292600">
                   <a:extLst>
                     <a:ext uri="{9D8B030D-6E8A-4147-A177-3AD203B41FA5}">
                       <a16:colId xmlns:a16="http://schemas.microsoft.com/office/drawing/2014/main" val="1625645682"/>
                     </a:ext>
                   </a:extLst>
                 </a:gridCol>
-                <a:gridCol w="2855229">
-                  <a:extLst>
-                    <a:ext uri="{9D8B030D-6E8A-4147-A177-3AD203B41FA5}">
-                      <a16:colId xmlns:a16="http://schemas.microsoft.com/office/drawing/2014/main" val="3060252060"/>
-                    </a:ext>
-                  </a:extLst>
-                </a:gridCol>
-                <a:gridCol w="2855229">
-                  <a:extLst>
-                    <a:ext uri="{9D8B030D-6E8A-4147-A177-3AD203B41FA5}">
-                      <a16:colId xmlns:a16="http://schemas.microsoft.com/office/drawing/2014/main" val="2173353960"/>
-                    </a:ext>
-                  </a:extLst>
-                </a:gridCol>
-                <a:gridCol w="2855229">
+                <a:gridCol w="6223000">
                   <a:extLst>
                     <a:ext uri="{9D8B030D-6E8A-4147-A177-3AD203B41FA5}">
                       <a16:colId xmlns:a16="http://schemas.microsoft.com/office/drawing/2014/main" val="2776076599"/>
@@ -4438,7 +4377,7 @@
                     <a:p>
                       <a:r>
                         <a:rPr lang="en-US" dirty="0"/>
-                        <a:t>Program Name</a:t>
+                        <a:t>Core Values Summary</a:t>
                       </a:r>
                     </a:p>
                   </a:txBody>
@@ -4451,33 +4390,7 @@
                     <a:p>
                       <a:r>
                         <a:rPr lang="en-US" dirty="0"/>
-                        <a:t>Missions Accomplished</a:t>
-                      </a:r>
-                    </a:p>
-                  </a:txBody>
-                  <a:tcPr/>
-                </a:tc>
-                <a:tc>
-                  <a:txBody>
-                    <a:bodyPr/>
-                    <a:lstStyle/>
-                    <a:p>
-                      <a:r>
-                        <a:rPr lang="en-US" dirty="0"/>
-                        <a:t>Programmed Robot Actions</a:t>
-                      </a:r>
-                    </a:p>
-                  </a:txBody>
-                  <a:tcPr/>
-                </a:tc>
-                <a:tc>
-                  <a:txBody>
-                    <a:bodyPr/>
-                    <a:lstStyle/>
-                    <a:p>
-                      <a:r>
-                        <a:rPr lang="en-US" dirty="0"/>
-                        <a:t>Mission Success Rate</a:t>
+                        <a:t>How did we use core values in our project/robot? Examples</a:t>
                       </a:r>
                     </a:p>
                   </a:txBody>
@@ -4489,55 +4402,32 @@
                   </a:ext>
                 </a:extLst>
               </a:tr>
-              <a:tr h="370840">
-                <a:tc>
-                  <a:txBody>
-                    <a:bodyPr/>
-                    <a:lstStyle/>
-                    <a:p>
-                      <a:r>
-                        <a:rPr lang="en-US" sz="1400" i="1" dirty="0"/>
-                        <a:t>What is the program called in your robot?</a:t>
-                      </a:r>
-                    </a:p>
-                  </a:txBody>
-                  <a:tcPr/>
-                </a:tc>
-                <a:tc>
-                  <a:txBody>
-                    <a:bodyPr/>
-                    <a:lstStyle/>
-                    <a:p>
-                      <a:r>
-                        <a:rPr lang="en-US" sz="1400" i="1" dirty="0"/>
-                        <a:t>List the missions your robot will accomplish in this program</a:t>
-                      </a:r>
-                    </a:p>
-                  </a:txBody>
-                  <a:tcPr/>
-                </a:tc>
-                <a:tc>
-                  <a:txBody>
-                    <a:bodyPr/>
-                    <a:lstStyle/>
-                    <a:p>
-                      <a:r>
-                        <a:rPr lang="en-US" sz="1400" i="1" dirty="0"/>
-                        <a:t>List the types of actions performed in the program. List any programming commands like loops and functions</a:t>
-                      </a:r>
-                    </a:p>
-                  </a:txBody>
-                  <a:tcPr/>
-                </a:tc>
-                <a:tc>
-                  <a:txBody>
-                    <a:bodyPr/>
-                    <a:lstStyle/>
-                    <a:p>
-                      <a:r>
-                        <a:rPr lang="en-US" sz="1400" i="1" dirty="0"/>
-                        <a:t>How often do you achieve the missions?</a:t>
-                      </a:r>
+              <a:tr h="422275">
+                <a:tc>
+                  <a:txBody>
+                    <a:bodyPr/>
+                    <a:lstStyle/>
+                    <a:p>
+                      <a:r>
+                        <a:rPr lang="en-US" sz="1600" b="1" dirty="0"/>
+                        <a:t>Discovery</a:t>
+                      </a:r>
+                    </a:p>
+                    <a:p>
+                      <a:r>
+                        <a:rPr lang="en-US" sz="1600" dirty="0"/>
+                        <a:t>We explore new skills and ideas</a:t>
+                      </a:r>
+                    </a:p>
+                  </a:txBody>
+                  <a:tcPr/>
+                </a:tc>
+                <a:tc>
+                  <a:txBody>
+                    <a:bodyPr/>
+                    <a:lstStyle/>
+                    <a:p>
+                      <a:endParaRPr lang="en-US" dirty="0"/>
                     </a:p>
                   </a:txBody>
                   <a:tcPr/>
@@ -4555,64 +4445,25 @@
                     <a:lstStyle/>
                     <a:p>
                       <a:r>
-                        <a:rPr lang="en-US" dirty="0"/>
-                        <a:t>Bridge</a:t>
-                      </a:r>
-                    </a:p>
-                  </a:txBody>
-                  <a:tcPr/>
-                </a:tc>
-                <a:tc>
-                  <a:txBody>
-                    <a:bodyPr/>
-                    <a:lstStyle/>
-                    <a:p>
-                      <a:r>
-                        <a:rPr lang="en-US" dirty="0"/>
-                        <a:t>Put up flags on bridge</a:t>
-                      </a:r>
-                    </a:p>
-                  </a:txBody>
-                  <a:tcPr/>
-                </a:tc>
-                <a:tc>
-                  <a:txBody>
-                    <a:bodyPr/>
-                    <a:lstStyle/>
-                    <a:p>
-                      <a:r>
-                        <a:rPr lang="en-US" dirty="0"/>
-                        <a:t>It says “</a:t>
-                      </a:r>
-                      <a:r>
-                        <a:rPr lang="en-US" dirty="0" err="1"/>
-                        <a:t>okie</a:t>
-                      </a:r>
-                      <a:r>
-                        <a:rPr lang="en-US" dirty="0"/>
-                        <a:t> </a:t>
-                      </a:r>
-                      <a:r>
-                        <a:rPr lang="en-US" dirty="0" err="1"/>
-                        <a:t>dokie</a:t>
-                      </a:r>
-                      <a:r>
-                        <a:rPr lang="en-US" dirty="0"/>
-                        <a:t>” and then put up the arm then it goes forward then turns left then goes more forward up onto the bridge and then stops on the left flag</a:t>
-                      </a:r>
-                    </a:p>
-                  </a:txBody>
-                  <a:tcPr/>
-                </a:tc>
-                <a:tc>
-                  <a:txBody>
-                    <a:bodyPr/>
-                    <a:lstStyle/>
-                    <a:p>
-                      <a:r>
-                        <a:rPr lang="en-US" dirty="0"/>
-                        <a:t>sometimes</a:t>
-                      </a:r>
+                        <a:rPr lang="en-US" sz="1600" b="1" dirty="0"/>
+                        <a:t>Innovation</a:t>
+                      </a:r>
+                    </a:p>
+                    <a:p>
+                      <a:r>
+                        <a:rPr lang="en-US" sz="1600" b="0" dirty="0"/>
+                        <a:t>We use creativity and persistence to solve problems</a:t>
+                      </a:r>
+                    </a:p>
+                  </a:txBody>
+                  <a:tcPr/>
+                </a:tc>
+                <a:tc>
+                  <a:txBody>
+                    <a:bodyPr/>
+                    <a:lstStyle/>
+                    <a:p>
+                      <a:endParaRPr lang="en-US"/>
                     </a:p>
                   </a:txBody>
                   <a:tcPr/>
@@ -4629,37 +4480,26 @@
                     <a:bodyPr/>
                     <a:lstStyle/>
                     <a:p>
-                      <a:endParaRPr lang="en-US" dirty="0"/>
-                    </a:p>
-                  </a:txBody>
-                  <a:tcPr/>
-                </a:tc>
-                <a:tc>
-                  <a:txBody>
-                    <a:bodyPr/>
-                    <a:lstStyle/>
-                    <a:p>
-                      <a:endParaRPr lang="en-US" dirty="0"/>
-                    </a:p>
-                  </a:txBody>
-                  <a:tcPr/>
-                </a:tc>
-                <a:tc>
-                  <a:txBody>
-                    <a:bodyPr/>
-                    <a:lstStyle/>
-                    <a:p>
-                      <a:endParaRPr lang="en-US" dirty="0"/>
-                    </a:p>
-                  </a:txBody>
-                  <a:tcPr/>
-                </a:tc>
-                <a:tc>
-                  <a:txBody>
-                    <a:bodyPr/>
-                    <a:lstStyle/>
-                    <a:p>
-                      <a:endParaRPr lang="en-US" dirty="0"/>
+                      <a:r>
+                        <a:rPr lang="en-US" sz="1600" b="1" dirty="0"/>
+                        <a:t>Impact</a:t>
+                      </a:r>
+                    </a:p>
+                    <a:p>
+                      <a:r>
+                        <a:rPr lang="en-US" sz="1600" dirty="0"/>
+                        <a:t>We apply what we learn to improve our world</a:t>
+                      </a:r>
+                    </a:p>
+                  </a:txBody>
+                  <a:tcPr/>
+                </a:tc>
+                <a:tc>
+                  <a:txBody>
+                    <a:bodyPr/>
+                    <a:lstStyle/>
+                    <a:p>
+                      <a:endParaRPr lang="en-US"/>
                     </a:p>
                   </a:txBody>
                   <a:tcPr/>
@@ -4676,7 +4516,16 @@
                     <a:bodyPr/>
                     <a:lstStyle/>
                     <a:p>
-                      <a:endParaRPr lang="en-US" dirty="0"/>
+                      <a:r>
+                        <a:rPr lang="en-US" sz="1600" b="1" dirty="0"/>
+                        <a:t>Inclusion</a:t>
+                      </a:r>
+                    </a:p>
+                    <a:p>
+                      <a:r>
+                        <a:rPr lang="en-US" sz="1600" dirty="0"/>
+                        <a:t>We respect each other and embrace our differences</a:t>
+                      </a:r>
                     </a:p>
                   </a:txBody>
                   <a:tcPr/>
@@ -4687,26 +4536,6 @@
                     <a:lstStyle/>
                     <a:p>
                       <a:endParaRPr lang="en-US"/>
-                    </a:p>
-                  </a:txBody>
-                  <a:tcPr/>
-                </a:tc>
-                <a:tc>
-                  <a:txBody>
-                    <a:bodyPr/>
-                    <a:lstStyle/>
-                    <a:p>
-                      <a:endParaRPr lang="en-US"/>
-                    </a:p>
-                  </a:txBody>
-                  <a:tcPr/>
-                </a:tc>
-                <a:tc>
-                  <a:txBody>
-                    <a:bodyPr/>
-                    <a:lstStyle/>
-                    <a:p>
-                      <a:endParaRPr lang="en-US" dirty="0"/>
                     </a:p>
                   </a:txBody>
                   <a:tcPr/>
@@ -4717,43 +4546,32 @@
                   </a:ext>
                 </a:extLst>
               </a:tr>
-              <a:tr h="370840">
+              <a:tr h="350520">
+                <a:tc>
+                  <a:txBody>
+                    <a:bodyPr/>
+                    <a:lstStyle/>
+                    <a:p>
+                      <a:r>
+                        <a:rPr lang="en-US" sz="1600" b="1" dirty="0"/>
+                        <a:t>Teamwork</a:t>
+                      </a:r>
+                    </a:p>
+                    <a:p>
+                      <a:r>
+                        <a:rPr lang="en-US" sz="1600" dirty="0"/>
+                        <a:t>We are stronger together when we work together</a:t>
+                      </a:r>
+                    </a:p>
+                  </a:txBody>
+                  <a:tcPr/>
+                </a:tc>
                 <a:tc>
                   <a:txBody>
                     <a:bodyPr/>
                     <a:lstStyle/>
                     <a:p>
                       <a:endParaRPr lang="en-US" dirty="0"/>
-                    </a:p>
-                  </a:txBody>
-                  <a:tcPr/>
-                </a:tc>
-                <a:tc>
-                  <a:txBody>
-                    <a:bodyPr/>
-                    <a:lstStyle/>
-                    <a:p>
-                      <a:endParaRPr lang="en-US"/>
-                    </a:p>
-                  </a:txBody>
-                  <a:tcPr/>
-                </a:tc>
-                <a:tc>
-                  <a:txBody>
-                    <a:bodyPr/>
-                    <a:lstStyle/>
-                    <a:p>
-                      <a:endParaRPr lang="en-US"/>
-                    </a:p>
-                  </a:txBody>
-                  <a:tcPr/>
-                </a:tc>
-                <a:tc>
-                  <a:txBody>
-                    <a:bodyPr/>
-                    <a:lstStyle/>
-                    <a:p>
-                      <a:endParaRPr lang="en-US"/>
                     </a:p>
                   </a:txBody>
                   <a:tcPr/>
@@ -4770,37 +4588,62 @@
                     <a:bodyPr/>
                     <a:lstStyle/>
                     <a:p>
+                      <a:r>
+                        <a:rPr lang="en-US" sz="1600" b="1" dirty="0"/>
+                        <a:t>Fun</a:t>
+                      </a:r>
+                    </a:p>
+                    <a:p>
+                      <a:r>
+                        <a:rPr lang="en-US" sz="1600" dirty="0"/>
+                        <a:t>We enjoy and celebrate what we do</a:t>
+                      </a:r>
+                    </a:p>
+                  </a:txBody>
+                  <a:tcPr/>
+                </a:tc>
+                <a:tc>
+                  <a:txBody>
+                    <a:bodyPr/>
+                    <a:lstStyle/>
+                    <a:p>
                       <a:endParaRPr lang="en-US" dirty="0"/>
                     </a:p>
                   </a:txBody>
                   <a:tcPr/>
                 </a:tc>
-                <a:tc>
-                  <a:txBody>
-                    <a:bodyPr/>
-                    <a:lstStyle/>
-                    <a:p>
-                      <a:endParaRPr lang="en-US"/>
-                    </a:p>
-                  </a:txBody>
-                  <a:tcPr/>
-                </a:tc>
-                <a:tc>
-                  <a:txBody>
-                    <a:bodyPr/>
-                    <a:lstStyle/>
-                    <a:p>
-                      <a:endParaRPr lang="en-US"/>
-                    </a:p>
-                  </a:txBody>
-                  <a:tcPr/>
-                </a:tc>
-                <a:tc>
-                  <a:txBody>
-                    <a:bodyPr/>
-                    <a:lstStyle/>
-                    <a:p>
-                      <a:endParaRPr lang="en-US"/>
+                <a:extLst>
+                  <a:ext uri="{0D108BD9-81ED-4DB2-BD59-A6C34878D82A}">
+                    <a16:rowId xmlns:a16="http://schemas.microsoft.com/office/drawing/2014/main" val="3777820845"/>
+                  </a:ext>
+                </a:extLst>
+              </a:tr>
+              <a:tr h="370840">
+                <a:tc>
+                  <a:txBody>
+                    <a:bodyPr/>
+                    <a:lstStyle/>
+                    <a:p>
+                      <a:r>
+                        <a:rPr lang="en-US" sz="1600" b="1" dirty="0"/>
+                        <a:t>Gracious Professionalism</a:t>
+                      </a:r>
+                    </a:p>
+                    <a:p>
+                      <a:r>
+                        <a:rPr lang="en-US" sz="1600" dirty="0"/>
+                        <a:t>We encourage high quality work, emphasize the value of others, and respect all</a:t>
+                      </a:r>
+                    </a:p>
+                  </a:txBody>
+                  <a:tcPr/>
+                </a:tc>
+                <a:tc>
+                  <a:txBody>
+                    <a:bodyPr/>
+                    <a:lstStyle/>
+                    <a:p>
+                      <a:endParaRPr lang="en-US" dirty="0"/>
                     </a:p>
                   </a:txBody>
                   <a:tcPr/>
@@ -4817,27 +4660,17 @@
                     <a:bodyPr/>
                     <a:lstStyle/>
                     <a:p>
-                      <a:endParaRPr lang="en-US" dirty="0"/>
-                    </a:p>
-                  </a:txBody>
-                  <a:tcPr/>
-                </a:tc>
-                <a:tc>
-                  <a:txBody>
-                    <a:bodyPr/>
-                    <a:lstStyle/>
-                    <a:p>
-                      <a:endParaRPr lang="en-US" dirty="0"/>
-                    </a:p>
-                  </a:txBody>
-                  <a:tcPr/>
-                </a:tc>
-                <a:tc>
-                  <a:txBody>
-                    <a:bodyPr/>
-                    <a:lstStyle/>
-                    <a:p>
-                      <a:endParaRPr lang="en-US" dirty="0"/>
+                      <a:r>
+                        <a:rPr lang="en-US" sz="1600" b="1" dirty="0" err="1"/>
+                        <a:t>Coopertition</a:t>
+                      </a:r>
+                      <a:endParaRPr lang="en-US" sz="1600" b="1" dirty="0"/>
+                    </a:p>
+                    <a:p>
+                      <a:r>
+                        <a:rPr lang="en-US" sz="1600" dirty="0"/>
+                        <a:t>We learn from and teach our teammates. When competing, we assist and enable others when we can.</a:t>
+                      </a:r>
                     </a:p>
                   </a:txBody>
                   <a:tcPr/>
@@ -4854,7 +4687,7 @@
                 </a:tc>
                 <a:extLst>
                   <a:ext uri="{0D108BD9-81ED-4DB2-BD59-A6C34878D82A}">
-                    <a16:rowId xmlns:a16="http://schemas.microsoft.com/office/drawing/2014/main" val="1708700393"/>
+                    <a16:rowId xmlns:a16="http://schemas.microsoft.com/office/drawing/2014/main" val="2472460539"/>
                   </a:ext>
                 </a:extLst>
               </a:tr>
@@ -4865,7 +4698,7 @@
     </p:spTree>
     <p:extLst>
       <p:ext uri="{BB962C8B-B14F-4D97-AF65-F5344CB8AC3E}">
-        <p14:creationId xmlns:p14="http://schemas.microsoft.com/office/powerpoint/2010/main" val="143448540"/>
+        <p14:creationId xmlns:p14="http://schemas.microsoft.com/office/powerpoint/2010/main" val="3063890100"/>
       </p:ext>
     </p:extLst>
   </p:cSld>
@@ -4875,7 +4708,7 @@
 </p:sld>
 </file>
 
-<file path=ppt/slides/slide8.xml><?xml version="1.0" encoding="utf-8"?>
+<file path=ppt/slides/slide5.xml><?xml version="1.0" encoding="utf-8"?>
 <p:sld xmlns:a="http://schemas.openxmlformats.org/drawingml/2006/main" xmlns:r="http://schemas.openxmlformats.org/officeDocument/2006/relationships" xmlns:p="http://schemas.openxmlformats.org/presentationml/2006/main">
   <p:cSld>
     <p:spTree>
@@ -5348,6 +5181,424 @@
 </p:sld>
 </file>
 
+<file path=ppt/slides/slide6.xml><?xml version="1.0" encoding="utf-8"?>
+<p:sld xmlns:a="http://schemas.openxmlformats.org/drawingml/2006/main" xmlns:r="http://schemas.openxmlformats.org/officeDocument/2006/relationships" xmlns:p="http://schemas.openxmlformats.org/presentationml/2006/main">
+  <p:cSld>
+    <p:spTree>
+      <p:nvGrpSpPr>
+        <p:cNvPr id="1" name=""/>
+        <p:cNvGrpSpPr/>
+        <p:nvPr/>
+      </p:nvGrpSpPr>
+      <p:grpSpPr>
+        <a:xfrm>
+          <a:off x="0" y="0"/>
+          <a:ext cx="0" cy="0"/>
+          <a:chOff x="0" y="0"/>
+          <a:chExt cx="0" cy="0"/>
+        </a:xfrm>
+      </p:grpSpPr>
+      <p:sp>
+        <p:nvSpPr>
+          <p:cNvPr id="2" name="Title 1">
+            <a:extLst>
+              <a:ext uri="{FF2B5EF4-FFF2-40B4-BE49-F238E27FC236}">
+                <a16:creationId xmlns:a16="http://schemas.microsoft.com/office/drawing/2014/main" id="{1D48C05F-1CAD-4A95-AD83-1F4BDFE05B1F}"/>
+              </a:ext>
+            </a:extLst>
+          </p:cNvPr>
+          <p:cNvSpPr>
+            <a:spLocks noGrp="1"/>
+          </p:cNvSpPr>
+          <p:nvPr>
+            <p:ph type="title"/>
+          </p:nvPr>
+        </p:nvSpPr>
+        <p:spPr/>
+        <p:txBody>
+          <a:bodyPr/>
+          <a:lstStyle/>
+          <a:p>
+            <a:r>
+              <a:rPr lang="en-US" dirty="0"/>
+              <a:t>Cars crashing into houses</a:t>
+            </a:r>
+          </a:p>
+        </p:txBody>
+      </p:sp>
+      <p:sp>
+        <p:nvSpPr>
+          <p:cNvPr id="3" name="Content Placeholder 2">
+            <a:extLst>
+              <a:ext uri="{FF2B5EF4-FFF2-40B4-BE49-F238E27FC236}">
+                <a16:creationId xmlns:a16="http://schemas.microsoft.com/office/drawing/2014/main" id="{7633094A-D40D-4641-8B6A-B47A215FF918}"/>
+              </a:ext>
+            </a:extLst>
+          </p:cNvPr>
+          <p:cNvSpPr>
+            <a:spLocks noGrp="1"/>
+          </p:cNvSpPr>
+          <p:nvPr>
+            <p:ph idx="1"/>
+          </p:nvPr>
+        </p:nvSpPr>
+        <p:spPr>
+          <a:xfrm>
+            <a:off x="838200" y="1825625"/>
+            <a:ext cx="10515600" cy="4156075"/>
+          </a:xfrm>
+        </p:spPr>
+        <p:txBody>
+          <a:bodyPr/>
+          <a:lstStyle/>
+          <a:p>
+            <a:r>
+              <a:rPr lang="en-US" dirty="0"/>
+              <a:t>The problems</a:t>
+            </a:r>
+          </a:p>
+          <a:p>
+            <a:pPr lvl="1"/>
+            <a:r>
+              <a:rPr lang="en-US" dirty="0"/>
+              <a:t>Some streets have a weird turn that makes it hard to not crash into houses.</a:t>
+            </a:r>
+          </a:p>
+          <a:p>
+            <a:r>
+              <a:rPr lang="en-US" dirty="0"/>
+              <a:t>History</a:t>
+            </a:r>
+          </a:p>
+          <a:p>
+            <a:pPr lvl="1"/>
+            <a:r>
+              <a:rPr lang="en-US" dirty="0"/>
+              <a:t>Get from Melanie</a:t>
+            </a:r>
+          </a:p>
+          <a:p>
+            <a:r>
+              <a:rPr lang="en-US" dirty="0"/>
+              <a:t>Possible solutions</a:t>
+            </a:r>
+          </a:p>
+          <a:p>
+            <a:pPr lvl="1"/>
+            <a:r>
+              <a:rPr lang="en-US" dirty="0"/>
+              <a:t>More stop signs</a:t>
+            </a:r>
+          </a:p>
+          <a:p>
+            <a:pPr lvl="1"/>
+            <a:r>
+              <a:rPr lang="en-US" dirty="0"/>
+              <a:t>Fix the ROADS/Try to make them more straight</a:t>
+            </a:r>
+          </a:p>
+          <a:p>
+            <a:pPr lvl="1"/>
+            <a:r>
+              <a:rPr lang="en-US" dirty="0"/>
+              <a:t>Put houses on metal stilts to prevent cars from crashing into houses</a:t>
+            </a:r>
+          </a:p>
+          <a:p>
+            <a:pPr lvl="1"/>
+            <a:endParaRPr lang="en-US" dirty="0"/>
+          </a:p>
+        </p:txBody>
+      </p:sp>
+    </p:spTree>
+    <p:extLst>
+      <p:ext uri="{BB962C8B-B14F-4D97-AF65-F5344CB8AC3E}">
+        <p14:creationId xmlns:p14="http://schemas.microsoft.com/office/powerpoint/2010/main" val="379190876"/>
+      </p:ext>
+    </p:extLst>
+  </p:cSld>
+  <p:clrMapOvr>
+    <a:masterClrMapping/>
+  </p:clrMapOvr>
+</p:sld>
+</file>
+
+<file path=ppt/slides/slide7.xml><?xml version="1.0" encoding="utf-8"?>
+<p:sld xmlns:a="http://schemas.openxmlformats.org/drawingml/2006/main" xmlns:r="http://schemas.openxmlformats.org/officeDocument/2006/relationships" xmlns:p="http://schemas.openxmlformats.org/presentationml/2006/main">
+  <p:cSld>
+    <p:spTree>
+      <p:nvGrpSpPr>
+        <p:cNvPr id="1" name=""/>
+        <p:cNvGrpSpPr/>
+        <p:nvPr/>
+      </p:nvGrpSpPr>
+      <p:grpSpPr>
+        <a:xfrm>
+          <a:off x="0" y="0"/>
+          <a:ext cx="0" cy="0"/>
+          <a:chOff x="0" y="0"/>
+          <a:chExt cx="0" cy="0"/>
+        </a:xfrm>
+      </p:grpSpPr>
+      <p:sp>
+        <p:nvSpPr>
+          <p:cNvPr id="2" name="Title 1">
+            <a:extLst>
+              <a:ext uri="{FF2B5EF4-FFF2-40B4-BE49-F238E27FC236}">
+                <a16:creationId xmlns:a16="http://schemas.microsoft.com/office/drawing/2014/main" id="{1D48C05F-1CAD-4A95-AD83-1F4BDFE05B1F}"/>
+              </a:ext>
+            </a:extLst>
+          </p:cNvPr>
+          <p:cNvSpPr>
+            <a:spLocks noGrp="1"/>
+          </p:cNvSpPr>
+          <p:nvPr>
+            <p:ph type="title"/>
+          </p:nvPr>
+        </p:nvSpPr>
+        <p:spPr/>
+        <p:txBody>
+          <a:bodyPr/>
+          <a:lstStyle/>
+          <a:p>
+            <a:r>
+              <a:rPr lang="en-US" dirty="0"/>
+              <a:t>Animal Safety</a:t>
+            </a:r>
+          </a:p>
+        </p:txBody>
+      </p:sp>
+      <p:sp>
+        <p:nvSpPr>
+          <p:cNvPr id="3" name="Content Placeholder 2">
+            <a:extLst>
+              <a:ext uri="{FF2B5EF4-FFF2-40B4-BE49-F238E27FC236}">
+                <a16:creationId xmlns:a16="http://schemas.microsoft.com/office/drawing/2014/main" id="{7633094A-D40D-4641-8B6A-B47A215FF918}"/>
+              </a:ext>
+            </a:extLst>
+          </p:cNvPr>
+          <p:cNvSpPr>
+            <a:spLocks noGrp="1"/>
+          </p:cNvSpPr>
+          <p:nvPr>
+            <p:ph idx="1"/>
+          </p:nvPr>
+        </p:nvSpPr>
+        <p:spPr/>
+        <p:txBody>
+          <a:bodyPr/>
+          <a:lstStyle/>
+          <a:p>
+            <a:r>
+              <a:rPr lang="en-US" dirty="0"/>
+              <a:t>The problem:</a:t>
+            </a:r>
+          </a:p>
+          <a:p>
+            <a:pPr marL="514350" indent="-514350">
+              <a:buFont typeface="+mj-lt"/>
+              <a:buAutoNum type="arabicPeriod"/>
+            </a:pPr>
+            <a:r>
+              <a:rPr lang="en-US" dirty="0"/>
+              <a:t>Animals are getting killed on roads and turning into lifeless corps</a:t>
+            </a:r>
+          </a:p>
+          <a:p>
+            <a:pPr marL="514350" indent="-514350">
+              <a:buFont typeface="+mj-lt"/>
+              <a:buAutoNum type="arabicPeriod"/>
+            </a:pPr>
+            <a:r>
+              <a:rPr lang="en-US" dirty="0"/>
+              <a:t>People are not liking animals</a:t>
+            </a:r>
+          </a:p>
+          <a:p>
+            <a:pPr marL="514350" indent="-514350">
+              <a:buFont typeface="+mj-lt"/>
+              <a:buAutoNum type="arabicPeriod"/>
+            </a:pPr>
+            <a:r>
+              <a:rPr lang="en-US" dirty="0"/>
+              <a:t>People are going too fast and have distractions </a:t>
+            </a:r>
+          </a:p>
+          <a:p>
+            <a:pPr lvl="1"/>
+            <a:endParaRPr lang="en-US" dirty="0"/>
+          </a:p>
+          <a:p>
+            <a:r>
+              <a:rPr lang="en-US" dirty="0"/>
+              <a:t>History</a:t>
+            </a:r>
+          </a:p>
+          <a:p>
+            <a:pPr marL="914400" lvl="1" indent="-457200">
+              <a:buFont typeface="+mj-lt"/>
+              <a:buAutoNum type="arabicPeriod"/>
+            </a:pPr>
+            <a:r>
+              <a:rPr lang="en-US" dirty="0">
+                <a:hlinkClick r:id="rId2"/>
+              </a:rPr>
+              <a:t>https://www.citylab.com/environment/2017/09/how-do-you-stop-drivers-from-smacking-into-wild-animals/541047/</a:t>
+            </a:r>
+            <a:r>
+              <a:rPr lang="en-US" dirty="0"/>
+              <a:t> </a:t>
+            </a:r>
+          </a:p>
+          <a:p>
+            <a:r>
+              <a:rPr lang="en-US" dirty="0"/>
+              <a:t>Possible solutions</a:t>
+            </a:r>
+          </a:p>
+          <a:p>
+            <a:endParaRPr lang="en-US" dirty="0"/>
+          </a:p>
+        </p:txBody>
+      </p:sp>
+    </p:spTree>
+    <p:extLst>
+      <p:ext uri="{BB962C8B-B14F-4D97-AF65-F5344CB8AC3E}">
+        <p14:creationId xmlns:p14="http://schemas.microsoft.com/office/powerpoint/2010/main" val="2411401397"/>
+      </p:ext>
+    </p:extLst>
+  </p:cSld>
+  <p:clrMapOvr>
+    <a:masterClrMapping/>
+  </p:clrMapOvr>
+</p:sld>
+</file>
+
+<file path=ppt/slides/slide8.xml><?xml version="1.0" encoding="utf-8"?>
+<p:sld xmlns:a="http://schemas.openxmlformats.org/drawingml/2006/main" xmlns:r="http://schemas.openxmlformats.org/officeDocument/2006/relationships" xmlns:p="http://schemas.openxmlformats.org/presentationml/2006/main">
+  <p:cSld>
+    <p:spTree>
+      <p:nvGrpSpPr>
+        <p:cNvPr id="1" name=""/>
+        <p:cNvGrpSpPr/>
+        <p:nvPr/>
+      </p:nvGrpSpPr>
+      <p:grpSpPr>
+        <a:xfrm>
+          <a:off x="0" y="0"/>
+          <a:ext cx="0" cy="0"/>
+          <a:chOff x="0" y="0"/>
+          <a:chExt cx="0" cy="0"/>
+        </a:xfrm>
+      </p:grpSpPr>
+      <p:sp>
+        <p:nvSpPr>
+          <p:cNvPr id="2" name="Title 1">
+            <a:extLst>
+              <a:ext uri="{FF2B5EF4-FFF2-40B4-BE49-F238E27FC236}">
+                <a16:creationId xmlns:a16="http://schemas.microsoft.com/office/drawing/2014/main" id="{1D48C05F-1CAD-4A95-AD83-1F4BDFE05B1F}"/>
+              </a:ext>
+            </a:extLst>
+          </p:cNvPr>
+          <p:cNvSpPr>
+            <a:spLocks noGrp="1"/>
+          </p:cNvSpPr>
+          <p:nvPr>
+            <p:ph type="title"/>
+          </p:nvPr>
+        </p:nvSpPr>
+        <p:spPr/>
+        <p:txBody>
+          <a:bodyPr/>
+          <a:lstStyle/>
+          <a:p>
+            <a:r>
+              <a:rPr lang="en-US" dirty="0"/>
+              <a:t>Pedestrian Safety</a:t>
+            </a:r>
+          </a:p>
+        </p:txBody>
+      </p:sp>
+      <p:sp>
+        <p:nvSpPr>
+          <p:cNvPr id="3" name="Content Placeholder 2">
+            <a:extLst>
+              <a:ext uri="{FF2B5EF4-FFF2-40B4-BE49-F238E27FC236}">
+                <a16:creationId xmlns:a16="http://schemas.microsoft.com/office/drawing/2014/main" id="{7633094A-D40D-4641-8B6A-B47A215FF918}"/>
+              </a:ext>
+            </a:extLst>
+          </p:cNvPr>
+          <p:cNvSpPr>
+            <a:spLocks noGrp="1"/>
+          </p:cNvSpPr>
+          <p:nvPr>
+            <p:ph idx="1"/>
+          </p:nvPr>
+        </p:nvSpPr>
+        <p:spPr/>
+        <p:txBody>
+          <a:bodyPr>
+            <a:normAutofit fontScale="92500" lnSpcReduction="20000"/>
+          </a:bodyPr>
+          <a:lstStyle/>
+          <a:p>
+            <a:r>
+              <a:rPr lang="en-US" dirty="0"/>
+              <a:t>The problem</a:t>
+            </a:r>
+          </a:p>
+          <a:p>
+            <a:r>
+              <a:rPr lang="en-US" dirty="0"/>
+              <a:t>History </a:t>
+            </a:r>
+          </a:p>
+          <a:p>
+            <a:pPr lvl="1"/>
+            <a:endParaRPr lang="en-US" dirty="0"/>
+          </a:p>
+          <a:p>
+            <a:r>
+              <a:rPr lang="en-US" dirty="0"/>
+              <a:t>Possible solutions</a:t>
+            </a:r>
+          </a:p>
+          <a:p>
+            <a:endParaRPr lang="en-US" dirty="0"/>
+          </a:p>
+          <a:p>
+            <a:endParaRPr lang="en-US" dirty="0"/>
+          </a:p>
+          <a:p>
+            <a:endParaRPr lang="en-US" dirty="0"/>
+          </a:p>
+          <a:p>
+            <a:endParaRPr lang="en-US" dirty="0"/>
+          </a:p>
+          <a:p>
+            <a:r>
+              <a:rPr lang="en-US" dirty="0">
+                <a:hlinkClick r:id="rId2"/>
+              </a:rPr>
+              <a:t>https://www.nbcsandiego.com/news/local/Northbound-Interstate-5-Off-Ramp-Closed-India-Street-San-Diego-565681702.html#:~:targetText=A%20pedestrian%20was%20killed%20Monday,the%20San%20Diego%20Police%20Department.</a:t>
+            </a:r>
+            <a:endParaRPr lang="en-US" dirty="0"/>
+          </a:p>
+        </p:txBody>
+      </p:sp>
+    </p:spTree>
+    <p:extLst>
+      <p:ext uri="{BB962C8B-B14F-4D97-AF65-F5344CB8AC3E}">
+        <p14:creationId xmlns:p14="http://schemas.microsoft.com/office/powerpoint/2010/main" val="4013290208"/>
+      </p:ext>
+    </p:extLst>
+  </p:cSld>
+  <p:clrMapOvr>
+    <a:masterClrMapping/>
+  </p:clrMapOvr>
+</p:sld>
+</file>
+
 <file path=ppt/slides/slide9.xml><?xml version="1.0" encoding="utf-8"?>
 <p:sld xmlns:a="http://schemas.openxmlformats.org/drawingml/2006/main" xmlns:r="http://schemas.openxmlformats.org/officeDocument/2006/relationships" xmlns:p="http://schemas.openxmlformats.org/presentationml/2006/main">
   <p:cSld>
@@ -5370,7 +5621,7 @@
           <p:cNvPr id="2" name="Title 1">
             <a:extLst>
               <a:ext uri="{FF2B5EF4-FFF2-40B4-BE49-F238E27FC236}">
-                <a16:creationId xmlns:a16="http://schemas.microsoft.com/office/drawing/2014/main" id="{85A2A2E5-A642-42D4-8BBC-99A44102451A}"/>
+                <a16:creationId xmlns:a16="http://schemas.microsoft.com/office/drawing/2014/main" id="{6B6F73CA-5607-46CB-8005-AED39D8062F5}"/>
               </a:ext>
             </a:extLst>
           </p:cNvPr>
@@ -5386,390 +5637,39 @@
           <a:bodyPr/>
           <a:lstStyle/>
           <a:p>
-            <a:r>
-              <a:rPr lang="en-US" dirty="0"/>
-              <a:t>Robot Design Summary</a:t>
-            </a:r>
-          </a:p>
-        </p:txBody>
-      </p:sp>
-      <p:graphicFrame>
-        <p:nvGraphicFramePr>
-          <p:cNvPr id="4" name="Table 4">
-            <a:extLst>
-              <a:ext uri="{FF2B5EF4-FFF2-40B4-BE49-F238E27FC236}">
-                <a16:creationId xmlns:a16="http://schemas.microsoft.com/office/drawing/2014/main" id="{BA07C363-3094-47E5-89DF-A817CDC72D1E}"/>
-              </a:ext>
-            </a:extLst>
-          </p:cNvPr>
-          <p:cNvGraphicFramePr>
-            <a:graphicFrameLocks noGrp="1"/>
-          </p:cNvGraphicFramePr>
+            <a:endParaRPr lang="en-US"/>
+          </a:p>
+        </p:txBody>
+      </p:sp>
+      <p:sp>
+        <p:nvSpPr>
+          <p:cNvPr id="3" name="Content Placeholder 2">
+            <a:extLst>
+              <a:ext uri="{FF2B5EF4-FFF2-40B4-BE49-F238E27FC236}">
+                <a16:creationId xmlns:a16="http://schemas.microsoft.com/office/drawing/2014/main" id="{3F380435-F8F6-4B6E-AD5C-B21EA9818558}"/>
+              </a:ext>
+            </a:extLst>
+          </p:cNvPr>
+          <p:cNvSpPr>
+            <a:spLocks noGrp="1"/>
+          </p:cNvSpPr>
           <p:nvPr>
             <p:ph idx="1"/>
-            <p:extLst>
-              <p:ext uri="{D42A27DB-BD31-4B8C-83A1-F6EECF244321}">
-                <p14:modId xmlns:p14="http://schemas.microsoft.com/office/powerpoint/2010/main" val="2036564658"/>
-              </p:ext>
-            </p:extLst>
-          </p:nvPr>
-        </p:nvGraphicFramePr>
-        <p:xfrm>
-          <a:off x="228600" y="52705"/>
-          <a:ext cx="10515600" cy="6466840"/>
-        </p:xfrm>
-        <a:graphic>
-          <a:graphicData uri="http://schemas.openxmlformats.org/drawingml/2006/table">
-            <a:tbl>
-              <a:tblPr firstRow="1" bandRow="1">
-                <a:tableStyleId>{5C22544A-7EE6-4342-B048-85BDC9FD1C3A}</a:tableStyleId>
-              </a:tblPr>
-              <a:tblGrid>
-                <a:gridCol w="4292600">
-                  <a:extLst>
-                    <a:ext uri="{9D8B030D-6E8A-4147-A177-3AD203B41FA5}">
-                      <a16:colId xmlns:a16="http://schemas.microsoft.com/office/drawing/2014/main" val="1625645682"/>
-                    </a:ext>
-                  </a:extLst>
-                </a:gridCol>
-                <a:gridCol w="6223000">
-                  <a:extLst>
-                    <a:ext uri="{9D8B030D-6E8A-4147-A177-3AD203B41FA5}">
-                      <a16:colId xmlns:a16="http://schemas.microsoft.com/office/drawing/2014/main" val="2776076599"/>
-                    </a:ext>
-                  </a:extLst>
-                </a:gridCol>
-              </a:tblGrid>
-              <a:tr h="370840">
-                <a:tc>
-                  <a:txBody>
-                    <a:bodyPr/>
-                    <a:lstStyle/>
-                    <a:p>
-                      <a:r>
-                        <a:rPr lang="en-US" dirty="0"/>
-                        <a:t>Core Values Summary</a:t>
-                      </a:r>
-                    </a:p>
-                  </a:txBody>
-                  <a:tcPr/>
-                </a:tc>
-                <a:tc>
-                  <a:txBody>
-                    <a:bodyPr/>
-                    <a:lstStyle/>
-                    <a:p>
-                      <a:r>
-                        <a:rPr lang="en-US" dirty="0"/>
-                        <a:t>How did we use core values in our project/robot? Examples</a:t>
-                      </a:r>
-                    </a:p>
-                  </a:txBody>
-                  <a:tcPr/>
-                </a:tc>
-                <a:extLst>
-                  <a:ext uri="{0D108BD9-81ED-4DB2-BD59-A6C34878D82A}">
-                    <a16:rowId xmlns:a16="http://schemas.microsoft.com/office/drawing/2014/main" val="3169571717"/>
-                  </a:ext>
-                </a:extLst>
-              </a:tr>
-              <a:tr h="422275">
-                <a:tc>
-                  <a:txBody>
-                    <a:bodyPr/>
-                    <a:lstStyle/>
-                    <a:p>
-                      <a:r>
-                        <a:rPr lang="en-US" sz="1600" b="1" dirty="0"/>
-                        <a:t>Discovery</a:t>
-                      </a:r>
-                    </a:p>
-                    <a:p>
-                      <a:r>
-                        <a:rPr lang="en-US" sz="1600" dirty="0"/>
-                        <a:t>We explore new skills and ideas</a:t>
-                      </a:r>
-                    </a:p>
-                  </a:txBody>
-                  <a:tcPr/>
-                </a:tc>
-                <a:tc>
-                  <a:txBody>
-                    <a:bodyPr/>
-                    <a:lstStyle/>
-                    <a:p>
-                      <a:endParaRPr lang="en-US" dirty="0"/>
-                    </a:p>
-                  </a:txBody>
-                  <a:tcPr/>
-                </a:tc>
-                <a:extLst>
-                  <a:ext uri="{0D108BD9-81ED-4DB2-BD59-A6C34878D82A}">
-                    <a16:rowId xmlns:a16="http://schemas.microsoft.com/office/drawing/2014/main" val="4278822256"/>
-                  </a:ext>
-                </a:extLst>
-              </a:tr>
-              <a:tr h="370840">
-                <a:tc>
-                  <a:txBody>
-                    <a:bodyPr/>
-                    <a:lstStyle/>
-                    <a:p>
-                      <a:r>
-                        <a:rPr lang="en-US" sz="1600" b="1" dirty="0"/>
-                        <a:t>Innovation</a:t>
-                      </a:r>
-                    </a:p>
-                    <a:p>
-                      <a:r>
-                        <a:rPr lang="en-US" sz="1600" b="0" dirty="0"/>
-                        <a:t>We use creativity and persistence to solve problems</a:t>
-                      </a:r>
-                    </a:p>
-                  </a:txBody>
-                  <a:tcPr/>
-                </a:tc>
-                <a:tc>
-                  <a:txBody>
-                    <a:bodyPr/>
-                    <a:lstStyle/>
-                    <a:p>
-                      <a:endParaRPr lang="en-US"/>
-                    </a:p>
-                  </a:txBody>
-                  <a:tcPr/>
-                </a:tc>
-                <a:extLst>
-                  <a:ext uri="{0D108BD9-81ED-4DB2-BD59-A6C34878D82A}">
-                    <a16:rowId xmlns:a16="http://schemas.microsoft.com/office/drawing/2014/main" val="3971085671"/>
-                  </a:ext>
-                </a:extLst>
-              </a:tr>
-              <a:tr h="370840">
-                <a:tc>
-                  <a:txBody>
-                    <a:bodyPr/>
-                    <a:lstStyle/>
-                    <a:p>
-                      <a:r>
-                        <a:rPr lang="en-US" sz="1600" b="1" dirty="0"/>
-                        <a:t>Impact</a:t>
-                      </a:r>
-                    </a:p>
-                    <a:p>
-                      <a:r>
-                        <a:rPr lang="en-US" sz="1600" dirty="0"/>
-                        <a:t>We apply what we learn to improve our world</a:t>
-                      </a:r>
-                    </a:p>
-                  </a:txBody>
-                  <a:tcPr/>
-                </a:tc>
-                <a:tc>
-                  <a:txBody>
-                    <a:bodyPr/>
-                    <a:lstStyle/>
-                    <a:p>
-                      <a:endParaRPr lang="en-US"/>
-                    </a:p>
-                  </a:txBody>
-                  <a:tcPr/>
-                </a:tc>
-                <a:extLst>
-                  <a:ext uri="{0D108BD9-81ED-4DB2-BD59-A6C34878D82A}">
-                    <a16:rowId xmlns:a16="http://schemas.microsoft.com/office/drawing/2014/main" val="1946875998"/>
-                  </a:ext>
-                </a:extLst>
-              </a:tr>
-              <a:tr h="370840">
-                <a:tc>
-                  <a:txBody>
-                    <a:bodyPr/>
-                    <a:lstStyle/>
-                    <a:p>
-                      <a:r>
-                        <a:rPr lang="en-US" sz="1600" b="1" dirty="0"/>
-                        <a:t>Inclusion</a:t>
-                      </a:r>
-                    </a:p>
-                    <a:p>
-                      <a:r>
-                        <a:rPr lang="en-US" sz="1600" dirty="0"/>
-                        <a:t>We respect each other and embrace our differences</a:t>
-                      </a:r>
-                    </a:p>
-                  </a:txBody>
-                  <a:tcPr/>
-                </a:tc>
-                <a:tc>
-                  <a:txBody>
-                    <a:bodyPr/>
-                    <a:lstStyle/>
-                    <a:p>
-                      <a:endParaRPr lang="en-US"/>
-                    </a:p>
-                  </a:txBody>
-                  <a:tcPr/>
-                </a:tc>
-                <a:extLst>
-                  <a:ext uri="{0D108BD9-81ED-4DB2-BD59-A6C34878D82A}">
-                    <a16:rowId xmlns:a16="http://schemas.microsoft.com/office/drawing/2014/main" val="3282402309"/>
-                  </a:ext>
-                </a:extLst>
-              </a:tr>
-              <a:tr h="350520">
-                <a:tc>
-                  <a:txBody>
-                    <a:bodyPr/>
-                    <a:lstStyle/>
-                    <a:p>
-                      <a:r>
-                        <a:rPr lang="en-US" sz="1600" b="1" dirty="0"/>
-                        <a:t>Teamwork</a:t>
-                      </a:r>
-                    </a:p>
-                    <a:p>
-                      <a:r>
-                        <a:rPr lang="en-US" sz="1600" dirty="0"/>
-                        <a:t>We are stronger together when we work together</a:t>
-                      </a:r>
-                    </a:p>
-                  </a:txBody>
-                  <a:tcPr/>
-                </a:tc>
-                <a:tc>
-                  <a:txBody>
-                    <a:bodyPr/>
-                    <a:lstStyle/>
-                    <a:p>
-                      <a:endParaRPr lang="en-US" dirty="0"/>
-                    </a:p>
-                  </a:txBody>
-                  <a:tcPr/>
-                </a:tc>
-                <a:extLst>
-                  <a:ext uri="{0D108BD9-81ED-4DB2-BD59-A6C34878D82A}">
-                    <a16:rowId xmlns:a16="http://schemas.microsoft.com/office/drawing/2014/main" val="2841753491"/>
-                  </a:ext>
-                </a:extLst>
-              </a:tr>
-              <a:tr h="370840">
-                <a:tc>
-                  <a:txBody>
-                    <a:bodyPr/>
-                    <a:lstStyle/>
-                    <a:p>
-                      <a:r>
-                        <a:rPr lang="en-US" sz="1600" b="1" dirty="0"/>
-                        <a:t>Fun</a:t>
-                      </a:r>
-                    </a:p>
-                    <a:p>
-                      <a:r>
-                        <a:rPr lang="en-US" sz="1600" dirty="0"/>
-                        <a:t>We enjoy and celebrate what we do</a:t>
-                      </a:r>
-                    </a:p>
-                  </a:txBody>
-                  <a:tcPr/>
-                </a:tc>
-                <a:tc>
-                  <a:txBody>
-                    <a:bodyPr/>
-                    <a:lstStyle/>
-                    <a:p>
-                      <a:endParaRPr lang="en-US" dirty="0"/>
-                    </a:p>
-                  </a:txBody>
-                  <a:tcPr/>
-                </a:tc>
-                <a:extLst>
-                  <a:ext uri="{0D108BD9-81ED-4DB2-BD59-A6C34878D82A}">
-                    <a16:rowId xmlns:a16="http://schemas.microsoft.com/office/drawing/2014/main" val="3777820845"/>
-                  </a:ext>
-                </a:extLst>
-              </a:tr>
-              <a:tr h="370840">
-                <a:tc>
-                  <a:txBody>
-                    <a:bodyPr/>
-                    <a:lstStyle/>
-                    <a:p>
-                      <a:r>
-                        <a:rPr lang="en-US" sz="1600" b="1" dirty="0"/>
-                        <a:t>Gracious Professionalism</a:t>
-                      </a:r>
-                    </a:p>
-                    <a:p>
-                      <a:r>
-                        <a:rPr lang="en-US" sz="1600" dirty="0"/>
-                        <a:t>We encourage high quality work, emphasize the value of others, and respect all</a:t>
-                      </a:r>
-                    </a:p>
-                  </a:txBody>
-                  <a:tcPr/>
-                </a:tc>
-                <a:tc>
-                  <a:txBody>
-                    <a:bodyPr/>
-                    <a:lstStyle/>
-                    <a:p>
-                      <a:endParaRPr lang="en-US" dirty="0"/>
-                    </a:p>
-                  </a:txBody>
-                  <a:tcPr/>
-                </a:tc>
-                <a:extLst>
-                  <a:ext uri="{0D108BD9-81ED-4DB2-BD59-A6C34878D82A}">
-                    <a16:rowId xmlns:a16="http://schemas.microsoft.com/office/drawing/2014/main" val="3011293120"/>
-                  </a:ext>
-                </a:extLst>
-              </a:tr>
-              <a:tr h="370840">
-                <a:tc>
-                  <a:txBody>
-                    <a:bodyPr/>
-                    <a:lstStyle/>
-                    <a:p>
-                      <a:r>
-                        <a:rPr lang="en-US" sz="1600" b="1" dirty="0" err="1"/>
-                        <a:t>Coopertition</a:t>
-                      </a:r>
-                      <a:endParaRPr lang="en-US" sz="1600" b="1" dirty="0"/>
-                    </a:p>
-                    <a:p>
-                      <a:r>
-                        <a:rPr lang="en-US" sz="1600" dirty="0"/>
-                        <a:t>We learn from and teach our teammates. When competing, we assist and enable others when we can.</a:t>
-                      </a:r>
-                    </a:p>
-                  </a:txBody>
-                  <a:tcPr/>
-                </a:tc>
-                <a:tc>
-                  <a:txBody>
-                    <a:bodyPr/>
-                    <a:lstStyle/>
-                    <a:p>
-                      <a:endParaRPr lang="en-US" dirty="0"/>
-                    </a:p>
-                  </a:txBody>
-                  <a:tcPr/>
-                </a:tc>
-                <a:extLst>
-                  <a:ext uri="{0D108BD9-81ED-4DB2-BD59-A6C34878D82A}">
-                    <a16:rowId xmlns:a16="http://schemas.microsoft.com/office/drawing/2014/main" val="2472460539"/>
-                  </a:ext>
-                </a:extLst>
-              </a:tr>
-            </a:tbl>
-          </a:graphicData>
-        </a:graphic>
-      </p:graphicFrame>
+          </p:nvPr>
+        </p:nvSpPr>
+        <p:spPr/>
+        <p:txBody>
+          <a:bodyPr/>
+          <a:lstStyle/>
+          <a:p>
+            <a:endParaRPr lang="en-US"/>
+          </a:p>
+        </p:txBody>
+      </p:sp>
     </p:spTree>
     <p:extLst>
       <p:ext uri="{BB962C8B-B14F-4D97-AF65-F5344CB8AC3E}">
-        <p14:creationId xmlns:p14="http://schemas.microsoft.com/office/powerpoint/2010/main" val="3063890100"/>
+        <p14:creationId xmlns:p14="http://schemas.microsoft.com/office/powerpoint/2010/main" val="2186238150"/>
       </p:ext>
     </p:extLst>
   </p:cSld>
